--- a/posts/036_21Nov_2025/figs.pptx
+++ b/posts/036_21Nov_2025/figs.pptx
@@ -6,9 +6,10 @@
   </p:sldMasterIdLst>
   <p:sldIdLst>
     <p:sldId id="256" r:id="rId2"/>
-    <p:sldId id="257" r:id="rId3"/>
-    <p:sldId id="258" r:id="rId4"/>
-    <p:sldId id="259" r:id="rId5"/>
+    <p:sldId id="260" r:id="rId3"/>
+    <p:sldId id="257" r:id="rId4"/>
+    <p:sldId id="258" r:id="rId5"/>
+    <p:sldId id="259" r:id="rId6"/>
   </p:sldIdLst>
   <p:sldSz cx="12192000" cy="6858000"/>
   <p:notesSz cx="6858000" cy="9144000"/>
@@ -264,7 +265,7 @@
           <a:p>
             <a:fld id="{DA5AEEF0-73E0-0546-8CDE-A26F9B0AA952}" type="datetimeFigureOut">
               <a:rPr lang="en-US" smtClean="0"/>
-              <a:t>10/28/25</a:t>
+              <a:t>10/30/25</a:t>
             </a:fld>
             <a:endParaRPr lang="en-US"/>
           </a:p>
@@ -464,7 +465,7 @@
           <a:p>
             <a:fld id="{DA5AEEF0-73E0-0546-8CDE-A26F9B0AA952}" type="datetimeFigureOut">
               <a:rPr lang="en-US" smtClean="0"/>
-              <a:t>10/28/25</a:t>
+              <a:t>10/30/25</a:t>
             </a:fld>
             <a:endParaRPr lang="en-US"/>
           </a:p>
@@ -674,7 +675,7 @@
           <a:p>
             <a:fld id="{DA5AEEF0-73E0-0546-8CDE-A26F9B0AA952}" type="datetimeFigureOut">
               <a:rPr lang="en-US" smtClean="0"/>
-              <a:t>10/28/25</a:t>
+              <a:t>10/30/25</a:t>
             </a:fld>
             <a:endParaRPr lang="en-US"/>
           </a:p>
@@ -874,7 +875,7 @@
           <a:p>
             <a:fld id="{DA5AEEF0-73E0-0546-8CDE-A26F9B0AA952}" type="datetimeFigureOut">
               <a:rPr lang="en-US" smtClean="0"/>
-              <a:t>10/28/25</a:t>
+              <a:t>10/30/25</a:t>
             </a:fld>
             <a:endParaRPr lang="en-US"/>
           </a:p>
@@ -1150,7 +1151,7 @@
           <a:p>
             <a:fld id="{DA5AEEF0-73E0-0546-8CDE-A26F9B0AA952}" type="datetimeFigureOut">
               <a:rPr lang="en-US" smtClean="0"/>
-              <a:t>10/28/25</a:t>
+              <a:t>10/30/25</a:t>
             </a:fld>
             <a:endParaRPr lang="en-US"/>
           </a:p>
@@ -1418,7 +1419,7 @@
           <a:p>
             <a:fld id="{DA5AEEF0-73E0-0546-8CDE-A26F9B0AA952}" type="datetimeFigureOut">
               <a:rPr lang="en-US" smtClean="0"/>
-              <a:t>10/28/25</a:t>
+              <a:t>10/30/25</a:t>
             </a:fld>
             <a:endParaRPr lang="en-US"/>
           </a:p>
@@ -1833,7 +1834,7 @@
           <a:p>
             <a:fld id="{DA5AEEF0-73E0-0546-8CDE-A26F9B0AA952}" type="datetimeFigureOut">
               <a:rPr lang="en-US" smtClean="0"/>
-              <a:t>10/28/25</a:t>
+              <a:t>10/30/25</a:t>
             </a:fld>
             <a:endParaRPr lang="en-US"/>
           </a:p>
@@ -1975,7 +1976,7 @@
           <a:p>
             <a:fld id="{DA5AEEF0-73E0-0546-8CDE-A26F9B0AA952}" type="datetimeFigureOut">
               <a:rPr lang="en-US" smtClean="0"/>
-              <a:t>10/28/25</a:t>
+              <a:t>10/30/25</a:t>
             </a:fld>
             <a:endParaRPr lang="en-US"/>
           </a:p>
@@ -2088,7 +2089,7 @@
           <a:p>
             <a:fld id="{DA5AEEF0-73E0-0546-8CDE-A26F9B0AA952}" type="datetimeFigureOut">
               <a:rPr lang="en-US" smtClean="0"/>
-              <a:t>10/28/25</a:t>
+              <a:t>10/30/25</a:t>
             </a:fld>
             <a:endParaRPr lang="en-US"/>
           </a:p>
@@ -2401,7 +2402,7 @@
           <a:p>
             <a:fld id="{DA5AEEF0-73E0-0546-8CDE-A26F9B0AA952}" type="datetimeFigureOut">
               <a:rPr lang="en-US" smtClean="0"/>
-              <a:t>10/28/25</a:t>
+              <a:t>10/30/25</a:t>
             </a:fld>
             <a:endParaRPr lang="en-US"/>
           </a:p>
@@ -2690,7 +2691,7 @@
           <a:p>
             <a:fld id="{DA5AEEF0-73E0-0546-8CDE-A26F9B0AA952}" type="datetimeFigureOut">
               <a:rPr lang="en-US" smtClean="0"/>
-              <a:t>10/28/25</a:t>
+              <a:t>10/30/25</a:t>
             </a:fld>
             <a:endParaRPr lang="en-US"/>
           </a:p>
@@ -2933,7 +2934,7 @@
           <a:p>
             <a:fld id="{DA5AEEF0-73E0-0546-8CDE-A26F9B0AA952}" type="datetimeFigureOut">
               <a:rPr lang="en-US" smtClean="0"/>
-              <a:t>10/28/25</a:t>
+              <a:t>10/30/25</a:t>
             </a:fld>
             <a:endParaRPr lang="en-US"/>
           </a:p>
@@ -4179,1512 +4180,6 @@
           </a:fontRef>
         </p:style>
       </p:cxnSp>
-      <p:sp>
-        <p:nvSpPr>
-          <p:cNvPr id="39" name="TextBox 38">
-            <a:extLst>
-              <a:ext uri="{FF2B5EF4-FFF2-40B4-BE49-F238E27FC236}">
-                <a16:creationId xmlns:a16="http://schemas.microsoft.com/office/drawing/2014/main" id="{D25CE959-1BD0-61B8-2DFB-9BFC44CCC9AE}"/>
-              </a:ext>
-            </a:extLst>
-          </p:cNvPr>
-          <p:cNvSpPr txBox="1"/>
-          <p:nvPr/>
-        </p:nvSpPr>
-        <p:spPr>
-          <a:xfrm>
-            <a:off x="978579" y="4682691"/>
-            <a:ext cx="1564852" cy="400110"/>
-          </a:xfrm>
-          <a:prstGeom prst="rect">
-            <a:avLst/>
-          </a:prstGeom>
-          <a:noFill/>
-        </p:spPr>
-        <p:txBody>
-          <a:bodyPr wrap="none" rtlCol="0">
-            <a:spAutoFit/>
-          </a:bodyPr>
-          <a:lstStyle/>
-          <a:p>
-            <a:r>
-              <a:rPr lang="en-US" sz="2000" dirty="0"/>
-              <a:t>Embeddings</a:t>
-            </a:r>
-          </a:p>
-        </p:txBody>
-      </p:sp>
-      <p:cxnSp>
-        <p:nvCxnSpPr>
-          <p:cNvPr id="40" name="Straight Arrow Connector 39">
-            <a:extLst>
-              <a:ext uri="{FF2B5EF4-FFF2-40B4-BE49-F238E27FC236}">
-                <a16:creationId xmlns:a16="http://schemas.microsoft.com/office/drawing/2014/main" id="{EA0D7EA5-6EBE-D7DA-236E-620855557C61}"/>
-              </a:ext>
-            </a:extLst>
-          </p:cNvPr>
-          <p:cNvCxnSpPr>
-            <a:cxnSpLocks/>
-          </p:cNvCxnSpPr>
-          <p:nvPr/>
-        </p:nvCxnSpPr>
-        <p:spPr>
-          <a:xfrm>
-            <a:off x="2593683" y="4882746"/>
-            <a:ext cx="790647" cy="0"/>
-          </a:xfrm>
-          <a:prstGeom prst="straightConnector1">
-            <a:avLst/>
-          </a:prstGeom>
-          <a:ln>
-            <a:tailEnd type="triangle"/>
-          </a:ln>
-        </p:spPr>
-        <p:style>
-          <a:lnRef idx="2">
-            <a:schemeClr val="accent1"/>
-          </a:lnRef>
-          <a:fillRef idx="0">
-            <a:schemeClr val="accent1"/>
-          </a:fillRef>
-          <a:effectRef idx="1">
-            <a:schemeClr val="accent1"/>
-          </a:effectRef>
-          <a:fontRef idx="minor">
-            <a:schemeClr val="tx1"/>
-          </a:fontRef>
-        </p:style>
-      </p:cxnSp>
-      <p:sp>
-        <p:nvSpPr>
-          <p:cNvPr id="43" name="Left Bracket 42">
-            <a:extLst>
-              <a:ext uri="{FF2B5EF4-FFF2-40B4-BE49-F238E27FC236}">
-                <a16:creationId xmlns:a16="http://schemas.microsoft.com/office/drawing/2014/main" id="{3312C0B6-D223-19C9-0985-5A593CB1DE0F}"/>
-              </a:ext>
-            </a:extLst>
-          </p:cNvPr>
-          <p:cNvSpPr/>
-          <p:nvPr/>
-        </p:nvSpPr>
-        <p:spPr>
-          <a:xfrm>
-            <a:off x="4147477" y="4231322"/>
-            <a:ext cx="158129" cy="1325194"/>
-          </a:xfrm>
-          <a:prstGeom prst="leftBracket">
-            <a:avLst/>
-          </a:prstGeom>
-        </p:spPr>
-        <p:style>
-          <a:lnRef idx="2">
-            <a:schemeClr val="dk1"/>
-          </a:lnRef>
-          <a:fillRef idx="0">
-            <a:schemeClr val="dk1"/>
-          </a:fillRef>
-          <a:effectRef idx="1">
-            <a:schemeClr val="dk1"/>
-          </a:effectRef>
-          <a:fontRef idx="minor">
-            <a:schemeClr val="tx1"/>
-          </a:fontRef>
-        </p:style>
-        <p:txBody>
-          <a:bodyPr rtlCol="0" anchor="ctr"/>
-          <a:lstStyle/>
-          <a:p>
-            <a:pPr algn="ctr"/>
-            <a:endParaRPr lang="en-US"/>
-          </a:p>
-        </p:txBody>
-      </p:sp>
-      <p:sp>
-        <p:nvSpPr>
-          <p:cNvPr id="46" name="TextBox 45">
-            <a:extLst>
-              <a:ext uri="{FF2B5EF4-FFF2-40B4-BE49-F238E27FC236}">
-                <a16:creationId xmlns:a16="http://schemas.microsoft.com/office/drawing/2014/main" id="{2FC96764-DA12-F9AC-41AE-7C518251E3F3}"/>
-              </a:ext>
-            </a:extLst>
-          </p:cNvPr>
-          <p:cNvSpPr txBox="1"/>
-          <p:nvPr/>
-        </p:nvSpPr>
-        <p:spPr>
-          <a:xfrm>
-            <a:off x="4175551" y="4258824"/>
-            <a:ext cx="501888" cy="1323439"/>
-          </a:xfrm>
-          <a:prstGeom prst="rect">
-            <a:avLst/>
-          </a:prstGeom>
-          <a:noFill/>
-        </p:spPr>
-        <p:txBody>
-          <a:bodyPr wrap="square" rtlCol="0">
-            <a:spAutoFit/>
-          </a:bodyPr>
-          <a:lstStyle/>
-          <a:p>
-            <a:r>
-              <a:rPr lang="en-US" sz="1000" dirty="0"/>
-              <a:t>-1.65</a:t>
-            </a:r>
-          </a:p>
-          <a:p>
-            <a:r>
-              <a:rPr lang="en-US" sz="1000" dirty="0"/>
-              <a:t>  2.32</a:t>
-            </a:r>
-          </a:p>
-          <a:p>
-            <a:r>
-              <a:rPr lang="en-US" sz="1000" dirty="0"/>
-              <a:t>  4.77</a:t>
-            </a:r>
-          </a:p>
-          <a:p>
-            <a:r>
-              <a:rPr lang="en-US" sz="1000" dirty="0"/>
-              <a:t>-0.54</a:t>
-            </a:r>
-          </a:p>
-          <a:p>
-            <a:r>
-              <a:rPr lang="en-US" sz="1000" dirty="0"/>
-              <a:t>  1.22</a:t>
-            </a:r>
-          </a:p>
-          <a:p>
-            <a:r>
-              <a:rPr lang="en-US" sz="1000" dirty="0"/>
-              <a:t>  5.41</a:t>
-            </a:r>
-          </a:p>
-          <a:p>
-            <a:r>
-              <a:rPr lang="en-US" sz="1000" dirty="0"/>
-              <a:t>       …</a:t>
-            </a:r>
-          </a:p>
-          <a:p>
-            <a:r>
-              <a:rPr lang="en-US" sz="1000" dirty="0"/>
-              <a:t>  8.47</a:t>
-            </a:r>
-          </a:p>
-        </p:txBody>
-      </p:sp>
-      <p:sp>
-        <p:nvSpPr>
-          <p:cNvPr id="47" name="Left Bracket 46">
-            <a:extLst>
-              <a:ext uri="{FF2B5EF4-FFF2-40B4-BE49-F238E27FC236}">
-                <a16:creationId xmlns:a16="http://schemas.microsoft.com/office/drawing/2014/main" id="{9264C47E-C426-2718-1E1E-F3EE857DE5DB}"/>
-              </a:ext>
-            </a:extLst>
-          </p:cNvPr>
-          <p:cNvSpPr/>
-          <p:nvPr/>
-        </p:nvSpPr>
-        <p:spPr>
-          <a:xfrm flipH="1">
-            <a:off x="4547384" y="4231322"/>
-            <a:ext cx="158129" cy="1325194"/>
-          </a:xfrm>
-          <a:prstGeom prst="leftBracket">
-            <a:avLst/>
-          </a:prstGeom>
-        </p:spPr>
-        <p:style>
-          <a:lnRef idx="2">
-            <a:schemeClr val="dk1"/>
-          </a:lnRef>
-          <a:fillRef idx="0">
-            <a:schemeClr val="dk1"/>
-          </a:fillRef>
-          <a:effectRef idx="1">
-            <a:schemeClr val="dk1"/>
-          </a:effectRef>
-          <a:fontRef idx="minor">
-            <a:schemeClr val="tx1"/>
-          </a:fontRef>
-        </p:style>
-        <p:txBody>
-          <a:bodyPr rtlCol="0" anchor="ctr"/>
-          <a:lstStyle/>
-          <a:p>
-            <a:pPr algn="ctr"/>
-            <a:endParaRPr lang="en-US"/>
-          </a:p>
-        </p:txBody>
-      </p:sp>
-      <p:cxnSp>
-        <p:nvCxnSpPr>
-          <p:cNvPr id="49" name="Straight Arrow Connector 48">
-            <a:extLst>
-              <a:ext uri="{FF2B5EF4-FFF2-40B4-BE49-F238E27FC236}">
-                <a16:creationId xmlns:a16="http://schemas.microsoft.com/office/drawing/2014/main" id="{83C799C5-7758-17DA-1561-6458D177A000}"/>
-              </a:ext>
-            </a:extLst>
-          </p:cNvPr>
-          <p:cNvCxnSpPr>
-            <a:stCxn id="5" idx="2"/>
-          </p:cNvCxnSpPr>
-          <p:nvPr/>
-        </p:nvCxnSpPr>
-        <p:spPr>
-          <a:xfrm>
-            <a:off x="4441880" y="3103854"/>
-            <a:ext cx="0" cy="1017465"/>
-          </a:xfrm>
-          <a:prstGeom prst="straightConnector1">
-            <a:avLst/>
-          </a:prstGeom>
-          <a:ln>
-            <a:tailEnd type="triangle"/>
-          </a:ln>
-        </p:spPr>
-        <p:style>
-          <a:lnRef idx="2">
-            <a:schemeClr val="dk1"/>
-          </a:lnRef>
-          <a:fillRef idx="0">
-            <a:schemeClr val="dk1"/>
-          </a:fillRef>
-          <a:effectRef idx="1">
-            <a:schemeClr val="dk1"/>
-          </a:effectRef>
-          <a:fontRef idx="minor">
-            <a:schemeClr val="tx1"/>
-          </a:fontRef>
-        </p:style>
-      </p:cxnSp>
-      <p:sp>
-        <p:nvSpPr>
-          <p:cNvPr id="50" name="Left Bracket 49">
-            <a:extLst>
-              <a:ext uri="{FF2B5EF4-FFF2-40B4-BE49-F238E27FC236}">
-                <a16:creationId xmlns:a16="http://schemas.microsoft.com/office/drawing/2014/main" id="{FF4D8CD5-0D75-2FD8-E8B0-299D0852168A}"/>
-              </a:ext>
-            </a:extLst>
-          </p:cNvPr>
-          <p:cNvSpPr/>
-          <p:nvPr/>
-        </p:nvSpPr>
-        <p:spPr>
-          <a:xfrm>
-            <a:off x="5162396" y="4231322"/>
-            <a:ext cx="158129" cy="1325194"/>
-          </a:xfrm>
-          <a:prstGeom prst="leftBracket">
-            <a:avLst/>
-          </a:prstGeom>
-        </p:spPr>
-        <p:style>
-          <a:lnRef idx="2">
-            <a:schemeClr val="dk1"/>
-          </a:lnRef>
-          <a:fillRef idx="0">
-            <a:schemeClr val="dk1"/>
-          </a:fillRef>
-          <a:effectRef idx="1">
-            <a:schemeClr val="dk1"/>
-          </a:effectRef>
-          <a:fontRef idx="minor">
-            <a:schemeClr val="tx1"/>
-          </a:fontRef>
-        </p:style>
-        <p:txBody>
-          <a:bodyPr rtlCol="0" anchor="ctr"/>
-          <a:lstStyle/>
-          <a:p>
-            <a:pPr algn="ctr"/>
-            <a:endParaRPr lang="en-US"/>
-          </a:p>
-        </p:txBody>
-      </p:sp>
-      <p:sp>
-        <p:nvSpPr>
-          <p:cNvPr id="51" name="TextBox 50">
-            <a:extLst>
-              <a:ext uri="{FF2B5EF4-FFF2-40B4-BE49-F238E27FC236}">
-                <a16:creationId xmlns:a16="http://schemas.microsoft.com/office/drawing/2014/main" id="{8B7EB22B-EB86-7534-F1EC-578ED9BAB196}"/>
-              </a:ext>
-            </a:extLst>
-          </p:cNvPr>
-          <p:cNvSpPr txBox="1"/>
-          <p:nvPr/>
-        </p:nvSpPr>
-        <p:spPr>
-          <a:xfrm>
-            <a:off x="5190470" y="4258824"/>
-            <a:ext cx="501888" cy="1323439"/>
-          </a:xfrm>
-          <a:prstGeom prst="rect">
-            <a:avLst/>
-          </a:prstGeom>
-          <a:noFill/>
-        </p:spPr>
-        <p:txBody>
-          <a:bodyPr wrap="square" rtlCol="0">
-            <a:spAutoFit/>
-          </a:bodyPr>
-          <a:lstStyle/>
-          <a:p>
-            <a:r>
-              <a:rPr lang="en-US" sz="1000" dirty="0"/>
-              <a:t>  4.54</a:t>
-            </a:r>
-          </a:p>
-          <a:p>
-            <a:r>
-              <a:rPr lang="en-US" sz="1000" dirty="0"/>
-              <a:t>  1.05</a:t>
-            </a:r>
-          </a:p>
-          <a:p>
-            <a:r>
-              <a:rPr lang="en-US" sz="1000" dirty="0"/>
-              <a:t>-0.25</a:t>
-            </a:r>
-          </a:p>
-          <a:p>
-            <a:r>
-              <a:rPr lang="en-US" sz="1000" dirty="0"/>
-              <a:t>-2.41</a:t>
-            </a:r>
-          </a:p>
-          <a:p>
-            <a:r>
-              <a:rPr lang="en-US" sz="1000" dirty="0"/>
-              <a:t>  3.64</a:t>
-            </a:r>
-          </a:p>
-          <a:p>
-            <a:r>
-              <a:rPr lang="en-US" sz="1000" dirty="0"/>
-              <a:t>-1.22</a:t>
-            </a:r>
-          </a:p>
-          <a:p>
-            <a:r>
-              <a:rPr lang="en-US" sz="1000" dirty="0"/>
-              <a:t>       …</a:t>
-            </a:r>
-          </a:p>
-          <a:p>
-            <a:r>
-              <a:rPr lang="en-US" sz="1000" dirty="0"/>
-              <a:t>  2.46</a:t>
-            </a:r>
-          </a:p>
-        </p:txBody>
-      </p:sp>
-      <p:sp>
-        <p:nvSpPr>
-          <p:cNvPr id="52" name="Left Bracket 51">
-            <a:extLst>
-              <a:ext uri="{FF2B5EF4-FFF2-40B4-BE49-F238E27FC236}">
-                <a16:creationId xmlns:a16="http://schemas.microsoft.com/office/drawing/2014/main" id="{2F4B7D40-2E8C-DF2B-EB7E-FF9A07B708B8}"/>
-              </a:ext>
-            </a:extLst>
-          </p:cNvPr>
-          <p:cNvSpPr/>
-          <p:nvPr/>
-        </p:nvSpPr>
-        <p:spPr>
-          <a:xfrm flipH="1">
-            <a:off x="5562303" y="4231322"/>
-            <a:ext cx="158129" cy="1325194"/>
-          </a:xfrm>
-          <a:prstGeom prst="leftBracket">
-            <a:avLst/>
-          </a:prstGeom>
-        </p:spPr>
-        <p:style>
-          <a:lnRef idx="2">
-            <a:schemeClr val="dk1"/>
-          </a:lnRef>
-          <a:fillRef idx="0">
-            <a:schemeClr val="dk1"/>
-          </a:fillRef>
-          <a:effectRef idx="1">
-            <a:schemeClr val="dk1"/>
-          </a:effectRef>
-          <a:fontRef idx="minor">
-            <a:schemeClr val="tx1"/>
-          </a:fontRef>
-        </p:style>
-        <p:txBody>
-          <a:bodyPr rtlCol="0" anchor="ctr"/>
-          <a:lstStyle/>
-          <a:p>
-            <a:pPr algn="ctr"/>
-            <a:endParaRPr lang="en-US"/>
-          </a:p>
-        </p:txBody>
-      </p:sp>
-      <p:cxnSp>
-        <p:nvCxnSpPr>
-          <p:cNvPr id="53" name="Straight Arrow Connector 52">
-            <a:extLst>
-              <a:ext uri="{FF2B5EF4-FFF2-40B4-BE49-F238E27FC236}">
-                <a16:creationId xmlns:a16="http://schemas.microsoft.com/office/drawing/2014/main" id="{D92B8CE5-CED2-CE44-64D5-958BC2474FC6}"/>
-              </a:ext>
-            </a:extLst>
-          </p:cNvPr>
-          <p:cNvCxnSpPr/>
-          <p:nvPr/>
-        </p:nvCxnSpPr>
-        <p:spPr>
-          <a:xfrm>
-            <a:off x="5456799" y="3103854"/>
-            <a:ext cx="0" cy="1017465"/>
-          </a:xfrm>
-          <a:prstGeom prst="straightConnector1">
-            <a:avLst/>
-          </a:prstGeom>
-          <a:ln>
-            <a:tailEnd type="triangle"/>
-          </a:ln>
-        </p:spPr>
-        <p:style>
-          <a:lnRef idx="2">
-            <a:schemeClr val="dk1"/>
-          </a:lnRef>
-          <a:fillRef idx="0">
-            <a:schemeClr val="dk1"/>
-          </a:fillRef>
-          <a:effectRef idx="1">
-            <a:schemeClr val="dk1"/>
-          </a:effectRef>
-          <a:fontRef idx="minor">
-            <a:schemeClr val="tx1"/>
-          </a:fontRef>
-        </p:style>
-      </p:cxnSp>
-      <p:sp>
-        <p:nvSpPr>
-          <p:cNvPr id="54" name="Left Bracket 53">
-            <a:extLst>
-              <a:ext uri="{FF2B5EF4-FFF2-40B4-BE49-F238E27FC236}">
-                <a16:creationId xmlns:a16="http://schemas.microsoft.com/office/drawing/2014/main" id="{301ACC36-469A-4E13-805F-BECE05624735}"/>
-              </a:ext>
-            </a:extLst>
-          </p:cNvPr>
-          <p:cNvSpPr/>
-          <p:nvPr/>
-        </p:nvSpPr>
-        <p:spPr>
-          <a:xfrm>
-            <a:off x="6177315" y="4231322"/>
-            <a:ext cx="158129" cy="1325194"/>
-          </a:xfrm>
-          <a:prstGeom prst="leftBracket">
-            <a:avLst/>
-          </a:prstGeom>
-        </p:spPr>
-        <p:style>
-          <a:lnRef idx="2">
-            <a:schemeClr val="dk1"/>
-          </a:lnRef>
-          <a:fillRef idx="0">
-            <a:schemeClr val="dk1"/>
-          </a:fillRef>
-          <a:effectRef idx="1">
-            <a:schemeClr val="dk1"/>
-          </a:effectRef>
-          <a:fontRef idx="minor">
-            <a:schemeClr val="tx1"/>
-          </a:fontRef>
-        </p:style>
-        <p:txBody>
-          <a:bodyPr rtlCol="0" anchor="ctr"/>
-          <a:lstStyle/>
-          <a:p>
-            <a:pPr algn="ctr"/>
-            <a:endParaRPr lang="en-US"/>
-          </a:p>
-        </p:txBody>
-      </p:sp>
-      <p:sp>
-        <p:nvSpPr>
-          <p:cNvPr id="55" name="TextBox 54">
-            <a:extLst>
-              <a:ext uri="{FF2B5EF4-FFF2-40B4-BE49-F238E27FC236}">
-                <a16:creationId xmlns:a16="http://schemas.microsoft.com/office/drawing/2014/main" id="{F537C985-6E3A-5DFC-F4C9-4A4433AD155A}"/>
-              </a:ext>
-            </a:extLst>
-          </p:cNvPr>
-          <p:cNvSpPr txBox="1"/>
-          <p:nvPr/>
-        </p:nvSpPr>
-        <p:spPr>
-          <a:xfrm>
-            <a:off x="6205389" y="4258824"/>
-            <a:ext cx="501888" cy="1323439"/>
-          </a:xfrm>
-          <a:prstGeom prst="rect">
-            <a:avLst/>
-          </a:prstGeom>
-          <a:noFill/>
-        </p:spPr>
-        <p:txBody>
-          <a:bodyPr wrap="square" rtlCol="0">
-            <a:spAutoFit/>
-          </a:bodyPr>
-          <a:lstStyle/>
-          <a:p>
-            <a:r>
-              <a:rPr lang="en-US" sz="1000" dirty="0"/>
-              <a:t>-2.33</a:t>
-            </a:r>
-          </a:p>
-          <a:p>
-            <a:r>
-              <a:rPr lang="en-US" sz="1000" dirty="0"/>
-              <a:t>  1.98</a:t>
-            </a:r>
-          </a:p>
-          <a:p>
-            <a:r>
-              <a:rPr lang="en-US" sz="1000" dirty="0"/>
-              <a:t>-1.85</a:t>
-            </a:r>
-          </a:p>
-          <a:p>
-            <a:r>
-              <a:rPr lang="en-US" sz="1000" dirty="0"/>
-              <a:t>  1.11</a:t>
-            </a:r>
-          </a:p>
-          <a:p>
-            <a:r>
-              <a:rPr lang="en-US" sz="1000" dirty="0"/>
-              <a:t>-9.25</a:t>
-            </a:r>
-          </a:p>
-          <a:p>
-            <a:r>
-              <a:rPr lang="en-US" sz="1000" dirty="0"/>
-              <a:t>  0.21</a:t>
-            </a:r>
-          </a:p>
-          <a:p>
-            <a:r>
-              <a:rPr lang="en-US" sz="1000" dirty="0"/>
-              <a:t>       …</a:t>
-            </a:r>
-          </a:p>
-          <a:p>
-            <a:r>
-              <a:rPr lang="en-US" sz="1000" dirty="0"/>
-              <a:t>-2.56</a:t>
-            </a:r>
-          </a:p>
-        </p:txBody>
-      </p:sp>
-      <p:sp>
-        <p:nvSpPr>
-          <p:cNvPr id="56" name="Left Bracket 55">
-            <a:extLst>
-              <a:ext uri="{FF2B5EF4-FFF2-40B4-BE49-F238E27FC236}">
-                <a16:creationId xmlns:a16="http://schemas.microsoft.com/office/drawing/2014/main" id="{4A26863B-E03A-AD62-BAE3-51B24355701B}"/>
-              </a:ext>
-            </a:extLst>
-          </p:cNvPr>
-          <p:cNvSpPr/>
-          <p:nvPr/>
-        </p:nvSpPr>
-        <p:spPr>
-          <a:xfrm flipH="1">
-            <a:off x="6577222" y="4231322"/>
-            <a:ext cx="158129" cy="1325194"/>
-          </a:xfrm>
-          <a:prstGeom prst="leftBracket">
-            <a:avLst/>
-          </a:prstGeom>
-        </p:spPr>
-        <p:style>
-          <a:lnRef idx="2">
-            <a:schemeClr val="dk1"/>
-          </a:lnRef>
-          <a:fillRef idx="0">
-            <a:schemeClr val="dk1"/>
-          </a:fillRef>
-          <a:effectRef idx="1">
-            <a:schemeClr val="dk1"/>
-          </a:effectRef>
-          <a:fontRef idx="minor">
-            <a:schemeClr val="tx1"/>
-          </a:fontRef>
-        </p:style>
-        <p:txBody>
-          <a:bodyPr rtlCol="0" anchor="ctr"/>
-          <a:lstStyle/>
-          <a:p>
-            <a:pPr algn="ctr"/>
-            <a:endParaRPr lang="en-US"/>
-          </a:p>
-        </p:txBody>
-      </p:sp>
-      <p:cxnSp>
-        <p:nvCxnSpPr>
-          <p:cNvPr id="57" name="Straight Arrow Connector 56">
-            <a:extLst>
-              <a:ext uri="{FF2B5EF4-FFF2-40B4-BE49-F238E27FC236}">
-                <a16:creationId xmlns:a16="http://schemas.microsoft.com/office/drawing/2014/main" id="{7F9CDCCD-9149-F7B9-5BF6-3F992BDA5B50}"/>
-              </a:ext>
-            </a:extLst>
-          </p:cNvPr>
-          <p:cNvCxnSpPr/>
-          <p:nvPr/>
-        </p:nvCxnSpPr>
-        <p:spPr>
-          <a:xfrm>
-            <a:off x="6471718" y="3103854"/>
-            <a:ext cx="0" cy="1017465"/>
-          </a:xfrm>
-          <a:prstGeom prst="straightConnector1">
-            <a:avLst/>
-          </a:prstGeom>
-          <a:ln>
-            <a:tailEnd type="triangle"/>
-          </a:ln>
-        </p:spPr>
-        <p:style>
-          <a:lnRef idx="2">
-            <a:schemeClr val="dk1"/>
-          </a:lnRef>
-          <a:fillRef idx="0">
-            <a:schemeClr val="dk1"/>
-          </a:fillRef>
-          <a:effectRef idx="1">
-            <a:schemeClr val="dk1"/>
-          </a:effectRef>
-          <a:fontRef idx="minor">
-            <a:schemeClr val="tx1"/>
-          </a:fontRef>
-        </p:style>
-      </p:cxnSp>
-      <p:sp>
-        <p:nvSpPr>
-          <p:cNvPr id="58" name="Left Bracket 57">
-            <a:extLst>
-              <a:ext uri="{FF2B5EF4-FFF2-40B4-BE49-F238E27FC236}">
-                <a16:creationId xmlns:a16="http://schemas.microsoft.com/office/drawing/2014/main" id="{37162749-7614-125A-AFAA-F720C7F6F8F1}"/>
-              </a:ext>
-            </a:extLst>
-          </p:cNvPr>
-          <p:cNvSpPr/>
-          <p:nvPr/>
-        </p:nvSpPr>
-        <p:spPr>
-          <a:xfrm>
-            <a:off x="7220308" y="4231322"/>
-            <a:ext cx="158129" cy="1325194"/>
-          </a:xfrm>
-          <a:prstGeom prst="leftBracket">
-            <a:avLst/>
-          </a:prstGeom>
-        </p:spPr>
-        <p:style>
-          <a:lnRef idx="2">
-            <a:schemeClr val="dk1"/>
-          </a:lnRef>
-          <a:fillRef idx="0">
-            <a:schemeClr val="dk1"/>
-          </a:fillRef>
-          <a:effectRef idx="1">
-            <a:schemeClr val="dk1"/>
-          </a:effectRef>
-          <a:fontRef idx="minor">
-            <a:schemeClr val="tx1"/>
-          </a:fontRef>
-        </p:style>
-        <p:txBody>
-          <a:bodyPr rtlCol="0" anchor="ctr"/>
-          <a:lstStyle/>
-          <a:p>
-            <a:pPr algn="ctr"/>
-            <a:endParaRPr lang="en-US"/>
-          </a:p>
-        </p:txBody>
-      </p:sp>
-      <p:sp>
-        <p:nvSpPr>
-          <p:cNvPr id="59" name="TextBox 58">
-            <a:extLst>
-              <a:ext uri="{FF2B5EF4-FFF2-40B4-BE49-F238E27FC236}">
-                <a16:creationId xmlns:a16="http://schemas.microsoft.com/office/drawing/2014/main" id="{BE93A8AE-CEBE-7B69-10EF-15C807B67A5D}"/>
-              </a:ext>
-            </a:extLst>
-          </p:cNvPr>
-          <p:cNvSpPr txBox="1"/>
-          <p:nvPr/>
-        </p:nvSpPr>
-        <p:spPr>
-          <a:xfrm>
-            <a:off x="7248382" y="4258824"/>
-            <a:ext cx="501888" cy="1323439"/>
-          </a:xfrm>
-          <a:prstGeom prst="rect">
-            <a:avLst/>
-          </a:prstGeom>
-          <a:noFill/>
-        </p:spPr>
-        <p:txBody>
-          <a:bodyPr wrap="square" rtlCol="0">
-            <a:spAutoFit/>
-          </a:bodyPr>
-          <a:lstStyle/>
-          <a:p>
-            <a:r>
-              <a:rPr lang="en-US" sz="1000" dirty="0"/>
-              <a:t>-0.03</a:t>
-            </a:r>
-          </a:p>
-          <a:p>
-            <a:r>
-              <a:rPr lang="en-US" sz="1000" dirty="0"/>
-              <a:t>  4.01</a:t>
-            </a:r>
-          </a:p>
-          <a:p>
-            <a:r>
-              <a:rPr lang="en-US" sz="1000" dirty="0"/>
-              <a:t>  1.25</a:t>
-            </a:r>
-          </a:p>
-          <a:p>
-            <a:r>
-              <a:rPr lang="en-US" sz="1000" dirty="0"/>
-              <a:t>-1.68</a:t>
-            </a:r>
-          </a:p>
-          <a:p>
-            <a:r>
-              <a:rPr lang="en-US" sz="1000" dirty="0"/>
-              <a:t>-2.22</a:t>
-            </a:r>
-          </a:p>
-          <a:p>
-            <a:r>
-              <a:rPr lang="en-US" sz="1000" dirty="0"/>
-              <a:t>  3.14</a:t>
-            </a:r>
-          </a:p>
-          <a:p>
-            <a:r>
-              <a:rPr lang="en-US" sz="1000" dirty="0"/>
-              <a:t>       …</a:t>
-            </a:r>
-          </a:p>
-          <a:p>
-            <a:r>
-              <a:rPr lang="en-US" sz="1000" dirty="0"/>
-              <a:t>  0.02</a:t>
-            </a:r>
-          </a:p>
-        </p:txBody>
-      </p:sp>
-      <p:sp>
-        <p:nvSpPr>
-          <p:cNvPr id="60" name="Left Bracket 59">
-            <a:extLst>
-              <a:ext uri="{FF2B5EF4-FFF2-40B4-BE49-F238E27FC236}">
-                <a16:creationId xmlns:a16="http://schemas.microsoft.com/office/drawing/2014/main" id="{54C40CA9-4F0B-F413-A62D-EC54839B81CE}"/>
-              </a:ext>
-            </a:extLst>
-          </p:cNvPr>
-          <p:cNvSpPr/>
-          <p:nvPr/>
-        </p:nvSpPr>
-        <p:spPr>
-          <a:xfrm flipH="1">
-            <a:off x="7620215" y="4231322"/>
-            <a:ext cx="158129" cy="1325194"/>
-          </a:xfrm>
-          <a:prstGeom prst="leftBracket">
-            <a:avLst/>
-          </a:prstGeom>
-        </p:spPr>
-        <p:style>
-          <a:lnRef idx="2">
-            <a:schemeClr val="dk1"/>
-          </a:lnRef>
-          <a:fillRef idx="0">
-            <a:schemeClr val="dk1"/>
-          </a:fillRef>
-          <a:effectRef idx="1">
-            <a:schemeClr val="dk1"/>
-          </a:effectRef>
-          <a:fontRef idx="minor">
-            <a:schemeClr val="tx1"/>
-          </a:fontRef>
-        </p:style>
-        <p:txBody>
-          <a:bodyPr rtlCol="0" anchor="ctr"/>
-          <a:lstStyle/>
-          <a:p>
-            <a:pPr algn="ctr"/>
-            <a:endParaRPr lang="en-US"/>
-          </a:p>
-        </p:txBody>
-      </p:sp>
-      <p:cxnSp>
-        <p:nvCxnSpPr>
-          <p:cNvPr id="61" name="Straight Arrow Connector 60">
-            <a:extLst>
-              <a:ext uri="{FF2B5EF4-FFF2-40B4-BE49-F238E27FC236}">
-                <a16:creationId xmlns:a16="http://schemas.microsoft.com/office/drawing/2014/main" id="{DE29C982-0FF5-7962-FE53-67DE493EE490}"/>
-              </a:ext>
-            </a:extLst>
-          </p:cNvPr>
-          <p:cNvCxnSpPr/>
-          <p:nvPr/>
-        </p:nvCxnSpPr>
-        <p:spPr>
-          <a:xfrm>
-            <a:off x="7514711" y="3103854"/>
-            <a:ext cx="0" cy="1017465"/>
-          </a:xfrm>
-          <a:prstGeom prst="straightConnector1">
-            <a:avLst/>
-          </a:prstGeom>
-          <a:ln>
-            <a:tailEnd type="triangle"/>
-          </a:ln>
-        </p:spPr>
-        <p:style>
-          <a:lnRef idx="2">
-            <a:schemeClr val="dk1"/>
-          </a:lnRef>
-          <a:fillRef idx="0">
-            <a:schemeClr val="dk1"/>
-          </a:fillRef>
-          <a:effectRef idx="1">
-            <a:schemeClr val="dk1"/>
-          </a:effectRef>
-          <a:fontRef idx="minor">
-            <a:schemeClr val="tx1"/>
-          </a:fontRef>
-        </p:style>
-      </p:cxnSp>
-      <p:sp>
-        <p:nvSpPr>
-          <p:cNvPr id="62" name="Left Bracket 61">
-            <a:extLst>
-              <a:ext uri="{FF2B5EF4-FFF2-40B4-BE49-F238E27FC236}">
-                <a16:creationId xmlns:a16="http://schemas.microsoft.com/office/drawing/2014/main" id="{2ECB82B9-F552-C5C7-FF73-47F5FCD763B2}"/>
-              </a:ext>
-            </a:extLst>
-          </p:cNvPr>
-          <p:cNvSpPr/>
-          <p:nvPr/>
-        </p:nvSpPr>
-        <p:spPr>
-          <a:xfrm>
-            <a:off x="8207153" y="4231322"/>
-            <a:ext cx="158129" cy="1325194"/>
-          </a:xfrm>
-          <a:prstGeom prst="leftBracket">
-            <a:avLst/>
-          </a:prstGeom>
-        </p:spPr>
-        <p:style>
-          <a:lnRef idx="2">
-            <a:schemeClr val="dk1"/>
-          </a:lnRef>
-          <a:fillRef idx="0">
-            <a:schemeClr val="dk1"/>
-          </a:fillRef>
-          <a:effectRef idx="1">
-            <a:schemeClr val="dk1"/>
-          </a:effectRef>
-          <a:fontRef idx="minor">
-            <a:schemeClr val="tx1"/>
-          </a:fontRef>
-        </p:style>
-        <p:txBody>
-          <a:bodyPr rtlCol="0" anchor="ctr"/>
-          <a:lstStyle/>
-          <a:p>
-            <a:pPr algn="ctr"/>
-            <a:endParaRPr lang="en-US"/>
-          </a:p>
-        </p:txBody>
-      </p:sp>
-      <p:sp>
-        <p:nvSpPr>
-          <p:cNvPr id="63" name="TextBox 62">
-            <a:extLst>
-              <a:ext uri="{FF2B5EF4-FFF2-40B4-BE49-F238E27FC236}">
-                <a16:creationId xmlns:a16="http://schemas.microsoft.com/office/drawing/2014/main" id="{8494F384-42DD-8025-F7D1-6267CD7CEC85}"/>
-              </a:ext>
-            </a:extLst>
-          </p:cNvPr>
-          <p:cNvSpPr txBox="1"/>
-          <p:nvPr/>
-        </p:nvSpPr>
-        <p:spPr>
-          <a:xfrm>
-            <a:off x="8235227" y="4258824"/>
-            <a:ext cx="501888" cy="1323439"/>
-          </a:xfrm>
-          <a:prstGeom prst="rect">
-            <a:avLst/>
-          </a:prstGeom>
-          <a:noFill/>
-        </p:spPr>
-        <p:txBody>
-          <a:bodyPr wrap="square" rtlCol="0">
-            <a:spAutoFit/>
-          </a:bodyPr>
-          <a:lstStyle/>
-          <a:p>
-            <a:r>
-              <a:rPr lang="en-US" sz="1000" dirty="0"/>
-              <a:t>  1.13</a:t>
-            </a:r>
-          </a:p>
-          <a:p>
-            <a:r>
-              <a:rPr lang="en-US" sz="1000" dirty="0"/>
-              <a:t>  3.87</a:t>
-            </a:r>
-          </a:p>
-          <a:p>
-            <a:r>
-              <a:rPr lang="en-US" sz="1000" dirty="0"/>
-              <a:t>-0.58</a:t>
-            </a:r>
-          </a:p>
-          <a:p>
-            <a:r>
-              <a:rPr lang="en-US" sz="1000" dirty="0"/>
-              <a:t>-1.58</a:t>
-            </a:r>
-          </a:p>
-          <a:p>
-            <a:r>
-              <a:rPr lang="en-US" sz="1000" dirty="0"/>
-              <a:t>  4.64</a:t>
-            </a:r>
-          </a:p>
-          <a:p>
-            <a:r>
-              <a:rPr lang="en-US" sz="1000" dirty="0"/>
-              <a:t>  1.42</a:t>
-            </a:r>
-          </a:p>
-          <a:p>
-            <a:r>
-              <a:rPr lang="en-US" sz="1000" dirty="0"/>
-              <a:t>       …</a:t>
-            </a:r>
-          </a:p>
-          <a:p>
-            <a:r>
-              <a:rPr lang="en-US" sz="1000" dirty="0"/>
-              <a:t> -1.47</a:t>
-            </a:r>
-          </a:p>
-        </p:txBody>
-      </p:sp>
-      <p:sp>
-        <p:nvSpPr>
-          <p:cNvPr id="64" name="Left Bracket 63">
-            <a:extLst>
-              <a:ext uri="{FF2B5EF4-FFF2-40B4-BE49-F238E27FC236}">
-                <a16:creationId xmlns:a16="http://schemas.microsoft.com/office/drawing/2014/main" id="{7EFAD77E-DD20-6F60-E9F1-34986D2FC1C4}"/>
-              </a:ext>
-            </a:extLst>
-          </p:cNvPr>
-          <p:cNvSpPr/>
-          <p:nvPr/>
-        </p:nvSpPr>
-        <p:spPr>
-          <a:xfrm flipH="1">
-            <a:off x="8607060" y="4231322"/>
-            <a:ext cx="158129" cy="1325194"/>
-          </a:xfrm>
-          <a:prstGeom prst="leftBracket">
-            <a:avLst/>
-          </a:prstGeom>
-        </p:spPr>
-        <p:style>
-          <a:lnRef idx="2">
-            <a:schemeClr val="dk1"/>
-          </a:lnRef>
-          <a:fillRef idx="0">
-            <a:schemeClr val="dk1"/>
-          </a:fillRef>
-          <a:effectRef idx="1">
-            <a:schemeClr val="dk1"/>
-          </a:effectRef>
-          <a:fontRef idx="minor">
-            <a:schemeClr val="tx1"/>
-          </a:fontRef>
-        </p:style>
-        <p:txBody>
-          <a:bodyPr rtlCol="0" anchor="ctr"/>
-          <a:lstStyle/>
-          <a:p>
-            <a:pPr algn="ctr"/>
-            <a:endParaRPr lang="en-US"/>
-          </a:p>
-        </p:txBody>
-      </p:sp>
-      <p:cxnSp>
-        <p:nvCxnSpPr>
-          <p:cNvPr id="65" name="Straight Arrow Connector 64">
-            <a:extLst>
-              <a:ext uri="{FF2B5EF4-FFF2-40B4-BE49-F238E27FC236}">
-                <a16:creationId xmlns:a16="http://schemas.microsoft.com/office/drawing/2014/main" id="{D5131BEB-CE07-8D4F-5E11-CC41F3E902C9}"/>
-              </a:ext>
-            </a:extLst>
-          </p:cNvPr>
-          <p:cNvCxnSpPr/>
-          <p:nvPr/>
-        </p:nvCxnSpPr>
-        <p:spPr>
-          <a:xfrm>
-            <a:off x="8501556" y="3103854"/>
-            <a:ext cx="0" cy="1017465"/>
-          </a:xfrm>
-          <a:prstGeom prst="straightConnector1">
-            <a:avLst/>
-          </a:prstGeom>
-          <a:ln>
-            <a:tailEnd type="triangle"/>
-          </a:ln>
-        </p:spPr>
-        <p:style>
-          <a:lnRef idx="2">
-            <a:schemeClr val="dk1"/>
-          </a:lnRef>
-          <a:fillRef idx="0">
-            <a:schemeClr val="dk1"/>
-          </a:fillRef>
-          <a:effectRef idx="1">
-            <a:schemeClr val="dk1"/>
-          </a:effectRef>
-          <a:fontRef idx="minor">
-            <a:schemeClr val="tx1"/>
-          </a:fontRef>
-        </p:style>
-      </p:cxnSp>
-      <p:sp>
-        <p:nvSpPr>
-          <p:cNvPr id="66" name="Left Bracket 65">
-            <a:extLst>
-              <a:ext uri="{FF2B5EF4-FFF2-40B4-BE49-F238E27FC236}">
-                <a16:creationId xmlns:a16="http://schemas.microsoft.com/office/drawing/2014/main" id="{CD7725EE-E754-B5B7-BD07-CF96D59491DC}"/>
-              </a:ext>
-            </a:extLst>
-          </p:cNvPr>
-          <p:cNvSpPr/>
-          <p:nvPr/>
-        </p:nvSpPr>
-        <p:spPr>
-          <a:xfrm>
-            <a:off x="9222072" y="4231322"/>
-            <a:ext cx="158129" cy="1325194"/>
-          </a:xfrm>
-          <a:prstGeom prst="leftBracket">
-            <a:avLst/>
-          </a:prstGeom>
-        </p:spPr>
-        <p:style>
-          <a:lnRef idx="2">
-            <a:schemeClr val="dk1"/>
-          </a:lnRef>
-          <a:fillRef idx="0">
-            <a:schemeClr val="dk1"/>
-          </a:fillRef>
-          <a:effectRef idx="1">
-            <a:schemeClr val="dk1"/>
-          </a:effectRef>
-          <a:fontRef idx="minor">
-            <a:schemeClr val="tx1"/>
-          </a:fontRef>
-        </p:style>
-        <p:txBody>
-          <a:bodyPr rtlCol="0" anchor="ctr"/>
-          <a:lstStyle/>
-          <a:p>
-            <a:pPr algn="ctr"/>
-            <a:endParaRPr lang="en-US"/>
-          </a:p>
-        </p:txBody>
-      </p:sp>
-      <p:sp>
-        <p:nvSpPr>
-          <p:cNvPr id="67" name="TextBox 66">
-            <a:extLst>
-              <a:ext uri="{FF2B5EF4-FFF2-40B4-BE49-F238E27FC236}">
-                <a16:creationId xmlns:a16="http://schemas.microsoft.com/office/drawing/2014/main" id="{97F043E3-3B5A-C7DC-D448-B8729446EC9E}"/>
-              </a:ext>
-            </a:extLst>
-          </p:cNvPr>
-          <p:cNvSpPr txBox="1"/>
-          <p:nvPr/>
-        </p:nvSpPr>
-        <p:spPr>
-          <a:xfrm>
-            <a:off x="9250146" y="4258824"/>
-            <a:ext cx="501888" cy="1323439"/>
-          </a:xfrm>
-          <a:prstGeom prst="rect">
-            <a:avLst/>
-          </a:prstGeom>
-          <a:noFill/>
-        </p:spPr>
-        <p:txBody>
-          <a:bodyPr wrap="square" rtlCol="0">
-            <a:spAutoFit/>
-          </a:bodyPr>
-          <a:lstStyle/>
-          <a:p>
-            <a:r>
-              <a:rPr lang="en-US" sz="1000" dirty="0"/>
-              <a:t>-2.14</a:t>
-            </a:r>
-          </a:p>
-          <a:p>
-            <a:r>
-              <a:rPr lang="en-US" sz="1000" dirty="0"/>
-              <a:t>  9.24</a:t>
-            </a:r>
-          </a:p>
-          <a:p>
-            <a:r>
-              <a:rPr lang="en-US" sz="1000" dirty="0"/>
-              <a:t>  1.57</a:t>
-            </a:r>
-          </a:p>
-          <a:p>
-            <a:r>
-              <a:rPr lang="en-US" sz="1000" dirty="0"/>
-              <a:t>  5.22</a:t>
-            </a:r>
-          </a:p>
-          <a:p>
-            <a:r>
-              <a:rPr lang="en-US" sz="1000" dirty="0"/>
-              <a:t>-1.54</a:t>
-            </a:r>
-          </a:p>
-          <a:p>
-            <a:r>
-              <a:rPr lang="en-US" sz="1000" dirty="0"/>
-              <a:t>  2.31</a:t>
-            </a:r>
-          </a:p>
-          <a:p>
-            <a:r>
-              <a:rPr lang="en-US" sz="1000" dirty="0"/>
-              <a:t>       …</a:t>
-            </a:r>
-          </a:p>
-          <a:p>
-            <a:r>
-              <a:rPr lang="en-US" sz="1000" dirty="0"/>
-              <a:t>  3.16</a:t>
-            </a:r>
-          </a:p>
-        </p:txBody>
-      </p:sp>
-      <p:sp>
-        <p:nvSpPr>
-          <p:cNvPr id="68" name="Left Bracket 67">
-            <a:extLst>
-              <a:ext uri="{FF2B5EF4-FFF2-40B4-BE49-F238E27FC236}">
-                <a16:creationId xmlns:a16="http://schemas.microsoft.com/office/drawing/2014/main" id="{5CB34A22-BA3B-836A-A04D-C92F29D19FAB}"/>
-              </a:ext>
-            </a:extLst>
-          </p:cNvPr>
-          <p:cNvSpPr/>
-          <p:nvPr/>
-        </p:nvSpPr>
-        <p:spPr>
-          <a:xfrm flipH="1">
-            <a:off x="9621979" y="4231322"/>
-            <a:ext cx="158129" cy="1325194"/>
-          </a:xfrm>
-          <a:prstGeom prst="leftBracket">
-            <a:avLst/>
-          </a:prstGeom>
-        </p:spPr>
-        <p:style>
-          <a:lnRef idx="2">
-            <a:schemeClr val="dk1"/>
-          </a:lnRef>
-          <a:fillRef idx="0">
-            <a:schemeClr val="dk1"/>
-          </a:fillRef>
-          <a:effectRef idx="1">
-            <a:schemeClr val="dk1"/>
-          </a:effectRef>
-          <a:fontRef idx="minor">
-            <a:schemeClr val="tx1"/>
-          </a:fontRef>
-        </p:style>
-        <p:txBody>
-          <a:bodyPr rtlCol="0" anchor="ctr"/>
-          <a:lstStyle/>
-          <a:p>
-            <a:pPr algn="ctr"/>
-            <a:endParaRPr lang="en-US"/>
-          </a:p>
-        </p:txBody>
-      </p:sp>
-      <p:cxnSp>
-        <p:nvCxnSpPr>
-          <p:cNvPr id="69" name="Straight Arrow Connector 68">
-            <a:extLst>
-              <a:ext uri="{FF2B5EF4-FFF2-40B4-BE49-F238E27FC236}">
-                <a16:creationId xmlns:a16="http://schemas.microsoft.com/office/drawing/2014/main" id="{15BECF6F-ABB7-DDD2-D8AD-04BD04BA9FB3}"/>
-              </a:ext>
-            </a:extLst>
-          </p:cNvPr>
-          <p:cNvCxnSpPr/>
-          <p:nvPr/>
-        </p:nvCxnSpPr>
-        <p:spPr>
-          <a:xfrm>
-            <a:off x="9516475" y="3103854"/>
-            <a:ext cx="0" cy="1017465"/>
-          </a:xfrm>
-          <a:prstGeom prst="straightConnector1">
-            <a:avLst/>
-          </a:prstGeom>
-          <a:ln>
-            <a:tailEnd type="triangle"/>
-          </a:ln>
-        </p:spPr>
-        <p:style>
-          <a:lnRef idx="2">
-            <a:schemeClr val="dk1"/>
-          </a:lnRef>
-          <a:fillRef idx="0">
-            <a:schemeClr val="dk1"/>
-          </a:fillRef>
-          <a:effectRef idx="1">
-            <a:schemeClr val="dk1"/>
-          </a:effectRef>
-          <a:fontRef idx="minor">
-            <a:schemeClr val="tx1"/>
-          </a:fontRef>
-        </p:style>
-      </p:cxnSp>
-      <p:sp>
-        <p:nvSpPr>
-          <p:cNvPr id="70" name="Left Bracket 69">
-            <a:extLst>
-              <a:ext uri="{FF2B5EF4-FFF2-40B4-BE49-F238E27FC236}">
-                <a16:creationId xmlns:a16="http://schemas.microsoft.com/office/drawing/2014/main" id="{B6CB92D1-A384-4C82-B9C4-2427C376F8F5}"/>
-              </a:ext>
-            </a:extLst>
-          </p:cNvPr>
-          <p:cNvSpPr/>
-          <p:nvPr/>
-        </p:nvSpPr>
-        <p:spPr>
-          <a:xfrm>
-            <a:off x="10311570" y="4231322"/>
-            <a:ext cx="158129" cy="1325194"/>
-          </a:xfrm>
-          <a:prstGeom prst="leftBracket">
-            <a:avLst/>
-          </a:prstGeom>
-        </p:spPr>
-        <p:style>
-          <a:lnRef idx="2">
-            <a:schemeClr val="dk1"/>
-          </a:lnRef>
-          <a:fillRef idx="0">
-            <a:schemeClr val="dk1"/>
-          </a:fillRef>
-          <a:effectRef idx="1">
-            <a:schemeClr val="dk1"/>
-          </a:effectRef>
-          <a:fontRef idx="minor">
-            <a:schemeClr val="tx1"/>
-          </a:fontRef>
-        </p:style>
-        <p:txBody>
-          <a:bodyPr rtlCol="0" anchor="ctr"/>
-          <a:lstStyle/>
-          <a:p>
-            <a:pPr algn="ctr"/>
-            <a:endParaRPr lang="en-US"/>
-          </a:p>
-        </p:txBody>
-      </p:sp>
-      <p:sp>
-        <p:nvSpPr>
-          <p:cNvPr id="71" name="TextBox 70">
-            <a:extLst>
-              <a:ext uri="{FF2B5EF4-FFF2-40B4-BE49-F238E27FC236}">
-                <a16:creationId xmlns:a16="http://schemas.microsoft.com/office/drawing/2014/main" id="{8E733044-646F-D5EF-D349-B1F3AC560F30}"/>
-              </a:ext>
-            </a:extLst>
-          </p:cNvPr>
-          <p:cNvSpPr txBox="1"/>
-          <p:nvPr/>
-        </p:nvSpPr>
-        <p:spPr>
-          <a:xfrm>
-            <a:off x="10339644" y="4258824"/>
-            <a:ext cx="501888" cy="1323439"/>
-          </a:xfrm>
-          <a:prstGeom prst="rect">
-            <a:avLst/>
-          </a:prstGeom>
-          <a:noFill/>
-        </p:spPr>
-        <p:txBody>
-          <a:bodyPr wrap="square" rtlCol="0">
-            <a:spAutoFit/>
-          </a:bodyPr>
-          <a:lstStyle/>
-          <a:p>
-            <a:r>
-              <a:rPr lang="en-US" sz="1000" dirty="0"/>
-              <a:t>-5.14</a:t>
-            </a:r>
-          </a:p>
-          <a:p>
-            <a:r>
-              <a:rPr lang="en-US" sz="1000" dirty="0"/>
-              <a:t>-2.32</a:t>
-            </a:r>
-          </a:p>
-          <a:p>
-            <a:r>
-              <a:rPr lang="en-US" sz="1000" dirty="0"/>
-              <a:t>-2.14</a:t>
-            </a:r>
-          </a:p>
-          <a:p>
-            <a:r>
-              <a:rPr lang="en-US" sz="1000" dirty="0"/>
-              <a:t>-1.24</a:t>
-            </a:r>
-          </a:p>
-          <a:p>
-            <a:r>
-              <a:rPr lang="en-US" sz="1000" dirty="0"/>
-              <a:t>  3.33</a:t>
-            </a:r>
-          </a:p>
-          <a:p>
-            <a:r>
-              <a:rPr lang="en-US" sz="1000" dirty="0"/>
-              <a:t>  1.41</a:t>
-            </a:r>
-          </a:p>
-          <a:p>
-            <a:r>
-              <a:rPr lang="en-US" sz="1000" dirty="0"/>
-              <a:t>       …</a:t>
-            </a:r>
-          </a:p>
-          <a:p>
-            <a:r>
-              <a:rPr lang="en-US" sz="1000" dirty="0"/>
-              <a:t>  2.74</a:t>
-            </a:r>
-          </a:p>
-        </p:txBody>
-      </p:sp>
-      <p:sp>
-        <p:nvSpPr>
-          <p:cNvPr id="72" name="Left Bracket 71">
-            <a:extLst>
-              <a:ext uri="{FF2B5EF4-FFF2-40B4-BE49-F238E27FC236}">
-                <a16:creationId xmlns:a16="http://schemas.microsoft.com/office/drawing/2014/main" id="{3FAEEB7C-F4FF-37D9-67E1-A3E9D71519B6}"/>
-              </a:ext>
-            </a:extLst>
-          </p:cNvPr>
-          <p:cNvSpPr/>
-          <p:nvPr/>
-        </p:nvSpPr>
-        <p:spPr>
-          <a:xfrm flipH="1">
-            <a:off x="10711477" y="4231322"/>
-            <a:ext cx="158129" cy="1325194"/>
-          </a:xfrm>
-          <a:prstGeom prst="leftBracket">
-            <a:avLst/>
-          </a:prstGeom>
-        </p:spPr>
-        <p:style>
-          <a:lnRef idx="2">
-            <a:schemeClr val="dk1"/>
-          </a:lnRef>
-          <a:fillRef idx="0">
-            <a:schemeClr val="dk1"/>
-          </a:fillRef>
-          <a:effectRef idx="1">
-            <a:schemeClr val="dk1"/>
-          </a:effectRef>
-          <a:fontRef idx="minor">
-            <a:schemeClr val="tx1"/>
-          </a:fontRef>
-        </p:style>
-        <p:txBody>
-          <a:bodyPr rtlCol="0" anchor="ctr"/>
-          <a:lstStyle/>
-          <a:p>
-            <a:pPr algn="ctr"/>
-            <a:endParaRPr lang="en-US"/>
-          </a:p>
-        </p:txBody>
-      </p:sp>
-      <p:cxnSp>
-        <p:nvCxnSpPr>
-          <p:cNvPr id="73" name="Straight Arrow Connector 72">
-            <a:extLst>
-              <a:ext uri="{FF2B5EF4-FFF2-40B4-BE49-F238E27FC236}">
-                <a16:creationId xmlns:a16="http://schemas.microsoft.com/office/drawing/2014/main" id="{4271EE6E-35F3-6ECA-C15D-10BEDC32D395}"/>
-              </a:ext>
-            </a:extLst>
-          </p:cNvPr>
-          <p:cNvCxnSpPr/>
-          <p:nvPr/>
-        </p:nvCxnSpPr>
-        <p:spPr>
-          <a:xfrm>
-            <a:off x="10605973" y="3103854"/>
-            <a:ext cx="0" cy="1017465"/>
-          </a:xfrm>
-          <a:prstGeom prst="straightConnector1">
-            <a:avLst/>
-          </a:prstGeom>
-          <a:ln>
-            <a:tailEnd type="triangle"/>
-          </a:ln>
-        </p:spPr>
-        <p:style>
-          <a:lnRef idx="2">
-            <a:schemeClr val="dk1"/>
-          </a:lnRef>
-          <a:fillRef idx="0">
-            <a:schemeClr val="dk1"/>
-          </a:fillRef>
-          <a:effectRef idx="1">
-            <a:schemeClr val="dk1"/>
-          </a:effectRef>
-          <a:fontRef idx="minor">
-            <a:schemeClr val="tx1"/>
-          </a:fontRef>
-        </p:style>
-      </p:cxnSp>
     </p:spTree>
     <p:extLst>
       <p:ext uri="{BB962C8B-B14F-4D97-AF65-F5344CB8AC3E}">
@@ -5699,6 +4194,2377 @@
 </file>
 
 <file path=ppt/slides/slide2.xml><?xml version="1.0" encoding="utf-8"?>
+<p:sld xmlns:a="http://schemas.openxmlformats.org/drawingml/2006/main" xmlns:r="http://schemas.openxmlformats.org/officeDocument/2006/relationships" xmlns:p="http://schemas.openxmlformats.org/presentationml/2006/main">
+  <p:cSld>
+    <p:spTree>
+      <p:nvGrpSpPr>
+        <p:cNvPr id="1" name="">
+          <a:extLst>
+            <a:ext uri="{FF2B5EF4-FFF2-40B4-BE49-F238E27FC236}">
+              <a16:creationId xmlns:a16="http://schemas.microsoft.com/office/drawing/2014/main" id="{9201D675-819C-2D70-3E55-AB2C0DB44755}"/>
+            </a:ext>
+          </a:extLst>
+        </p:cNvPr>
+        <p:cNvGrpSpPr/>
+        <p:nvPr/>
+      </p:nvGrpSpPr>
+      <p:grpSpPr>
+        <a:xfrm>
+          <a:off x="0" y="0"/>
+          <a:ext cx="0" cy="0"/>
+          <a:chOff x="0" y="0"/>
+          <a:chExt cx="0" cy="0"/>
+        </a:xfrm>
+      </p:grpSpPr>
+      <p:sp>
+        <p:nvSpPr>
+          <p:cNvPr id="4" name="Rounded Rectangle 3">
+            <a:extLst>
+              <a:ext uri="{FF2B5EF4-FFF2-40B4-BE49-F238E27FC236}">
+                <a16:creationId xmlns:a16="http://schemas.microsoft.com/office/drawing/2014/main" id="{4C2CDAEA-D5A7-312E-9DCD-ED3DD6784D47}"/>
+              </a:ext>
+            </a:extLst>
+          </p:cNvPr>
+          <p:cNvSpPr/>
+          <p:nvPr/>
+        </p:nvSpPr>
+        <p:spPr>
+          <a:xfrm>
+            <a:off x="5622766" y="1132891"/>
+            <a:ext cx="4098587" cy="567328"/>
+          </a:xfrm>
+          <a:prstGeom prst="roundRect">
+            <a:avLst/>
+          </a:prstGeom>
+        </p:spPr>
+        <p:style>
+          <a:lnRef idx="2">
+            <a:schemeClr val="dk1"/>
+          </a:lnRef>
+          <a:fillRef idx="1">
+            <a:schemeClr val="lt1"/>
+          </a:fillRef>
+          <a:effectRef idx="0">
+            <a:schemeClr val="dk1"/>
+          </a:effectRef>
+          <a:fontRef idx="minor">
+            <a:schemeClr val="dk1"/>
+          </a:fontRef>
+        </p:style>
+        <p:txBody>
+          <a:bodyPr rtlCol="0" anchor="ctr"/>
+          <a:lstStyle/>
+          <a:p>
+            <a:pPr algn="ctr"/>
+            <a:r>
+              <a:rPr lang="en-US"/>
+              <a:t>Robin slung the bow over his shoulder</a:t>
+            </a:r>
+            <a:endParaRPr lang="en-US" dirty="0"/>
+          </a:p>
+        </p:txBody>
+      </p:sp>
+      <p:sp>
+        <p:nvSpPr>
+          <p:cNvPr id="5" name="Rounded Rectangle 4">
+            <a:extLst>
+              <a:ext uri="{FF2B5EF4-FFF2-40B4-BE49-F238E27FC236}">
+                <a16:creationId xmlns:a16="http://schemas.microsoft.com/office/drawing/2014/main" id="{6D829DF9-60F0-E0E4-F6ED-9DA9DA1191F2}"/>
+              </a:ext>
+            </a:extLst>
+          </p:cNvPr>
+          <p:cNvSpPr/>
+          <p:nvPr/>
+        </p:nvSpPr>
+        <p:spPr>
+          <a:xfrm>
+            <a:off x="3934420" y="2536526"/>
+            <a:ext cx="1014919" cy="567328"/>
+          </a:xfrm>
+          <a:prstGeom prst="roundRect">
+            <a:avLst/>
+          </a:prstGeom>
+        </p:spPr>
+        <p:style>
+          <a:lnRef idx="2">
+            <a:schemeClr val="accent2"/>
+          </a:lnRef>
+          <a:fillRef idx="1">
+            <a:schemeClr val="lt1"/>
+          </a:fillRef>
+          <a:effectRef idx="0">
+            <a:schemeClr val="accent2"/>
+          </a:effectRef>
+          <a:fontRef idx="minor">
+            <a:schemeClr val="dk1"/>
+          </a:fontRef>
+        </p:style>
+        <p:txBody>
+          <a:bodyPr rtlCol="0" anchor="ctr"/>
+          <a:lstStyle/>
+          <a:p>
+            <a:pPr algn="ctr"/>
+            <a:r>
+              <a:rPr lang="en-US" dirty="0"/>
+              <a:t>Robin</a:t>
+            </a:r>
+          </a:p>
+        </p:txBody>
+      </p:sp>
+      <p:sp>
+        <p:nvSpPr>
+          <p:cNvPr id="6" name="Rounded Rectangle 5">
+            <a:extLst>
+              <a:ext uri="{FF2B5EF4-FFF2-40B4-BE49-F238E27FC236}">
+                <a16:creationId xmlns:a16="http://schemas.microsoft.com/office/drawing/2014/main" id="{894BDD0E-A35F-F777-1811-C0BE5AD97841}"/>
+              </a:ext>
+            </a:extLst>
+          </p:cNvPr>
+          <p:cNvSpPr/>
+          <p:nvPr/>
+        </p:nvSpPr>
+        <p:spPr>
+          <a:xfrm>
+            <a:off x="4949339" y="2536526"/>
+            <a:ext cx="1014919" cy="567328"/>
+          </a:xfrm>
+          <a:prstGeom prst="roundRect">
+            <a:avLst/>
+          </a:prstGeom>
+        </p:spPr>
+        <p:style>
+          <a:lnRef idx="2">
+            <a:schemeClr val="accent3"/>
+          </a:lnRef>
+          <a:fillRef idx="1">
+            <a:schemeClr val="lt1"/>
+          </a:fillRef>
+          <a:effectRef idx="0">
+            <a:schemeClr val="accent3"/>
+          </a:effectRef>
+          <a:fontRef idx="minor">
+            <a:schemeClr val="dk1"/>
+          </a:fontRef>
+        </p:style>
+        <p:txBody>
+          <a:bodyPr rtlCol="0" anchor="ctr"/>
+          <a:lstStyle/>
+          <a:p>
+            <a:pPr algn="ctr"/>
+            <a:r>
+              <a:rPr lang="en-US" dirty="0"/>
+              <a:t>slung</a:t>
+            </a:r>
+          </a:p>
+        </p:txBody>
+      </p:sp>
+      <p:sp>
+        <p:nvSpPr>
+          <p:cNvPr id="7" name="Rounded Rectangle 6">
+            <a:extLst>
+              <a:ext uri="{FF2B5EF4-FFF2-40B4-BE49-F238E27FC236}">
+                <a16:creationId xmlns:a16="http://schemas.microsoft.com/office/drawing/2014/main" id="{3C6F1F44-40FF-4099-6162-93577F002096}"/>
+              </a:ext>
+            </a:extLst>
+          </p:cNvPr>
+          <p:cNvSpPr/>
+          <p:nvPr/>
+        </p:nvSpPr>
+        <p:spPr>
+          <a:xfrm>
+            <a:off x="5964258" y="2536526"/>
+            <a:ext cx="1014919" cy="567328"/>
+          </a:xfrm>
+          <a:prstGeom prst="roundRect">
+            <a:avLst/>
+          </a:prstGeom>
+        </p:spPr>
+        <p:style>
+          <a:lnRef idx="2">
+            <a:schemeClr val="accent4"/>
+          </a:lnRef>
+          <a:fillRef idx="1">
+            <a:schemeClr val="lt1"/>
+          </a:fillRef>
+          <a:effectRef idx="0">
+            <a:schemeClr val="accent4"/>
+          </a:effectRef>
+          <a:fontRef idx="minor">
+            <a:schemeClr val="dk1"/>
+          </a:fontRef>
+        </p:style>
+        <p:txBody>
+          <a:bodyPr rtlCol="0" anchor="ctr"/>
+          <a:lstStyle/>
+          <a:p>
+            <a:pPr algn="ctr"/>
+            <a:r>
+              <a:rPr lang="en-US" dirty="0"/>
+              <a:t>the</a:t>
+            </a:r>
+          </a:p>
+        </p:txBody>
+      </p:sp>
+      <p:sp>
+        <p:nvSpPr>
+          <p:cNvPr id="8" name="Rounded Rectangle 7">
+            <a:extLst>
+              <a:ext uri="{FF2B5EF4-FFF2-40B4-BE49-F238E27FC236}">
+                <a16:creationId xmlns:a16="http://schemas.microsoft.com/office/drawing/2014/main" id="{C96F7833-1E69-EA5B-0631-1627C9A54F03}"/>
+              </a:ext>
+            </a:extLst>
+          </p:cNvPr>
+          <p:cNvSpPr/>
+          <p:nvPr/>
+        </p:nvSpPr>
+        <p:spPr>
+          <a:xfrm>
+            <a:off x="6979177" y="2536526"/>
+            <a:ext cx="1014919" cy="567328"/>
+          </a:xfrm>
+          <a:prstGeom prst="roundRect">
+            <a:avLst/>
+          </a:prstGeom>
+        </p:spPr>
+        <p:style>
+          <a:lnRef idx="2">
+            <a:schemeClr val="accent5"/>
+          </a:lnRef>
+          <a:fillRef idx="1">
+            <a:schemeClr val="lt1"/>
+          </a:fillRef>
+          <a:effectRef idx="0">
+            <a:schemeClr val="accent5"/>
+          </a:effectRef>
+          <a:fontRef idx="minor">
+            <a:schemeClr val="dk1"/>
+          </a:fontRef>
+        </p:style>
+        <p:txBody>
+          <a:bodyPr rtlCol="0" anchor="ctr"/>
+          <a:lstStyle/>
+          <a:p>
+            <a:pPr algn="ctr"/>
+            <a:r>
+              <a:rPr lang="en-US" dirty="0"/>
+              <a:t>bow</a:t>
+            </a:r>
+          </a:p>
+        </p:txBody>
+      </p:sp>
+      <p:sp>
+        <p:nvSpPr>
+          <p:cNvPr id="9" name="Rounded Rectangle 8">
+            <a:extLst>
+              <a:ext uri="{FF2B5EF4-FFF2-40B4-BE49-F238E27FC236}">
+                <a16:creationId xmlns:a16="http://schemas.microsoft.com/office/drawing/2014/main" id="{E6CC140B-7C8D-511B-6C52-838A052B6767}"/>
+              </a:ext>
+            </a:extLst>
+          </p:cNvPr>
+          <p:cNvSpPr/>
+          <p:nvPr/>
+        </p:nvSpPr>
+        <p:spPr>
+          <a:xfrm>
+            <a:off x="7994096" y="2536526"/>
+            <a:ext cx="1014919" cy="567328"/>
+          </a:xfrm>
+          <a:prstGeom prst="roundRect">
+            <a:avLst/>
+          </a:prstGeom>
+        </p:spPr>
+        <p:style>
+          <a:lnRef idx="2">
+            <a:schemeClr val="accent6"/>
+          </a:lnRef>
+          <a:fillRef idx="1">
+            <a:schemeClr val="lt1"/>
+          </a:fillRef>
+          <a:effectRef idx="0">
+            <a:schemeClr val="accent6"/>
+          </a:effectRef>
+          <a:fontRef idx="minor">
+            <a:schemeClr val="dk1"/>
+          </a:fontRef>
+        </p:style>
+        <p:txBody>
+          <a:bodyPr rtlCol="0" anchor="ctr"/>
+          <a:lstStyle/>
+          <a:p>
+            <a:pPr algn="ctr"/>
+            <a:r>
+              <a:rPr lang="en-US" dirty="0"/>
+              <a:t>over</a:t>
+            </a:r>
+          </a:p>
+        </p:txBody>
+      </p:sp>
+      <p:sp>
+        <p:nvSpPr>
+          <p:cNvPr id="10" name="Rounded Rectangle 9">
+            <a:extLst>
+              <a:ext uri="{FF2B5EF4-FFF2-40B4-BE49-F238E27FC236}">
+                <a16:creationId xmlns:a16="http://schemas.microsoft.com/office/drawing/2014/main" id="{A6594D13-DEB4-D1BB-8CB2-CD109AC45D98}"/>
+              </a:ext>
+            </a:extLst>
+          </p:cNvPr>
+          <p:cNvSpPr/>
+          <p:nvPr/>
+        </p:nvSpPr>
+        <p:spPr>
+          <a:xfrm>
+            <a:off x="9009015" y="2536526"/>
+            <a:ext cx="1014919" cy="567328"/>
+          </a:xfrm>
+          <a:prstGeom prst="roundRect">
+            <a:avLst/>
+          </a:prstGeom>
+        </p:spPr>
+        <p:style>
+          <a:lnRef idx="2">
+            <a:schemeClr val="accent2"/>
+          </a:lnRef>
+          <a:fillRef idx="1">
+            <a:schemeClr val="lt1"/>
+          </a:fillRef>
+          <a:effectRef idx="0">
+            <a:schemeClr val="accent2"/>
+          </a:effectRef>
+          <a:fontRef idx="minor">
+            <a:schemeClr val="dk1"/>
+          </a:fontRef>
+        </p:style>
+        <p:txBody>
+          <a:bodyPr rtlCol="0" anchor="ctr"/>
+          <a:lstStyle/>
+          <a:p>
+            <a:pPr algn="ctr"/>
+            <a:r>
+              <a:rPr lang="en-US" dirty="0"/>
+              <a:t>his</a:t>
+            </a:r>
+          </a:p>
+        </p:txBody>
+      </p:sp>
+      <p:sp>
+        <p:nvSpPr>
+          <p:cNvPr id="11" name="Rounded Rectangle 10">
+            <a:extLst>
+              <a:ext uri="{FF2B5EF4-FFF2-40B4-BE49-F238E27FC236}">
+                <a16:creationId xmlns:a16="http://schemas.microsoft.com/office/drawing/2014/main" id="{80082B3B-37E1-B633-6024-025009EAC0F9}"/>
+              </a:ext>
+            </a:extLst>
+          </p:cNvPr>
+          <p:cNvSpPr/>
+          <p:nvPr/>
+        </p:nvSpPr>
+        <p:spPr>
+          <a:xfrm>
+            <a:off x="10023934" y="2536526"/>
+            <a:ext cx="1164077" cy="567328"/>
+          </a:xfrm>
+          <a:prstGeom prst="roundRect">
+            <a:avLst/>
+          </a:prstGeom>
+        </p:spPr>
+        <p:style>
+          <a:lnRef idx="2">
+            <a:schemeClr val="accent3"/>
+          </a:lnRef>
+          <a:fillRef idx="1">
+            <a:schemeClr val="lt1"/>
+          </a:fillRef>
+          <a:effectRef idx="0">
+            <a:schemeClr val="accent3"/>
+          </a:effectRef>
+          <a:fontRef idx="minor">
+            <a:schemeClr val="dk1"/>
+          </a:fontRef>
+        </p:style>
+        <p:txBody>
+          <a:bodyPr rtlCol="0" anchor="ctr"/>
+          <a:lstStyle/>
+          <a:p>
+            <a:pPr algn="ctr"/>
+            <a:r>
+              <a:rPr lang="en-US" dirty="0"/>
+              <a:t>shoulder</a:t>
+            </a:r>
+          </a:p>
+        </p:txBody>
+      </p:sp>
+      <p:sp>
+        <p:nvSpPr>
+          <p:cNvPr id="13" name="TextBox 12">
+            <a:extLst>
+              <a:ext uri="{FF2B5EF4-FFF2-40B4-BE49-F238E27FC236}">
+                <a16:creationId xmlns:a16="http://schemas.microsoft.com/office/drawing/2014/main" id="{44730C52-4963-8D16-3235-F103B0A6B6B2}"/>
+              </a:ext>
+            </a:extLst>
+          </p:cNvPr>
+          <p:cNvSpPr txBox="1"/>
+          <p:nvPr/>
+        </p:nvSpPr>
+        <p:spPr>
+          <a:xfrm>
+            <a:off x="1094894" y="1132891"/>
+            <a:ext cx="1336969" cy="400110"/>
+          </a:xfrm>
+          <a:prstGeom prst="rect">
+            <a:avLst/>
+          </a:prstGeom>
+          <a:noFill/>
+        </p:spPr>
+        <p:txBody>
+          <a:bodyPr wrap="none" rtlCol="0">
+            <a:spAutoFit/>
+          </a:bodyPr>
+          <a:lstStyle/>
+          <a:p>
+            <a:r>
+              <a:rPr lang="en-US" sz="2000" dirty="0"/>
+              <a:t>User Input</a:t>
+            </a:r>
+          </a:p>
+        </p:txBody>
+      </p:sp>
+      <p:cxnSp>
+        <p:nvCxnSpPr>
+          <p:cNvPr id="15" name="Straight Arrow Connector 14">
+            <a:extLst>
+              <a:ext uri="{FF2B5EF4-FFF2-40B4-BE49-F238E27FC236}">
+                <a16:creationId xmlns:a16="http://schemas.microsoft.com/office/drawing/2014/main" id="{CBADE7D2-16AD-7902-F706-CB5EC68748C8}"/>
+              </a:ext>
+            </a:extLst>
+          </p:cNvPr>
+          <p:cNvCxnSpPr>
+            <a:cxnSpLocks/>
+            <a:stCxn id="4" idx="2"/>
+            <a:endCxn id="5" idx="0"/>
+          </p:cNvCxnSpPr>
+          <p:nvPr/>
+        </p:nvCxnSpPr>
+        <p:spPr>
+          <a:xfrm flipH="1">
+            <a:off x="4441880" y="1700219"/>
+            <a:ext cx="3230180" cy="836307"/>
+          </a:xfrm>
+          <a:prstGeom prst="straightConnector1">
+            <a:avLst/>
+          </a:prstGeom>
+          <a:ln>
+            <a:tailEnd type="triangle"/>
+          </a:ln>
+        </p:spPr>
+        <p:style>
+          <a:lnRef idx="2">
+            <a:schemeClr val="dk1"/>
+          </a:lnRef>
+          <a:fillRef idx="0">
+            <a:schemeClr val="dk1"/>
+          </a:fillRef>
+          <a:effectRef idx="1">
+            <a:schemeClr val="dk1"/>
+          </a:effectRef>
+          <a:fontRef idx="minor">
+            <a:schemeClr val="tx1"/>
+          </a:fontRef>
+        </p:style>
+      </p:cxnSp>
+      <p:cxnSp>
+        <p:nvCxnSpPr>
+          <p:cNvPr id="17" name="Straight Arrow Connector 16">
+            <a:extLst>
+              <a:ext uri="{FF2B5EF4-FFF2-40B4-BE49-F238E27FC236}">
+                <a16:creationId xmlns:a16="http://schemas.microsoft.com/office/drawing/2014/main" id="{D00763EA-06AE-3E13-F9B8-1DDDC1341BEA}"/>
+              </a:ext>
+            </a:extLst>
+          </p:cNvPr>
+          <p:cNvCxnSpPr>
+            <a:cxnSpLocks/>
+            <a:stCxn id="4" idx="2"/>
+            <a:endCxn id="6" idx="0"/>
+          </p:cNvCxnSpPr>
+          <p:nvPr/>
+        </p:nvCxnSpPr>
+        <p:spPr>
+          <a:xfrm flipH="1">
+            <a:off x="5456799" y="1700219"/>
+            <a:ext cx="2215261" cy="836307"/>
+          </a:xfrm>
+          <a:prstGeom prst="straightConnector1">
+            <a:avLst/>
+          </a:prstGeom>
+          <a:ln>
+            <a:tailEnd type="triangle"/>
+          </a:ln>
+        </p:spPr>
+        <p:style>
+          <a:lnRef idx="2">
+            <a:schemeClr val="dk1"/>
+          </a:lnRef>
+          <a:fillRef idx="0">
+            <a:schemeClr val="dk1"/>
+          </a:fillRef>
+          <a:effectRef idx="1">
+            <a:schemeClr val="dk1"/>
+          </a:effectRef>
+          <a:fontRef idx="minor">
+            <a:schemeClr val="tx1"/>
+          </a:fontRef>
+        </p:style>
+      </p:cxnSp>
+      <p:cxnSp>
+        <p:nvCxnSpPr>
+          <p:cNvPr id="20" name="Straight Arrow Connector 19">
+            <a:extLst>
+              <a:ext uri="{FF2B5EF4-FFF2-40B4-BE49-F238E27FC236}">
+                <a16:creationId xmlns:a16="http://schemas.microsoft.com/office/drawing/2014/main" id="{3523DE1A-EB89-BC11-46D0-358C8D3E833E}"/>
+              </a:ext>
+            </a:extLst>
+          </p:cNvPr>
+          <p:cNvCxnSpPr>
+            <a:cxnSpLocks/>
+            <a:stCxn id="4" idx="2"/>
+            <a:endCxn id="7" idx="0"/>
+          </p:cNvCxnSpPr>
+          <p:nvPr/>
+        </p:nvCxnSpPr>
+        <p:spPr>
+          <a:xfrm flipH="1">
+            <a:off x="6471718" y="1700219"/>
+            <a:ext cx="1200342" cy="836307"/>
+          </a:xfrm>
+          <a:prstGeom prst="straightConnector1">
+            <a:avLst/>
+          </a:prstGeom>
+          <a:ln>
+            <a:tailEnd type="triangle"/>
+          </a:ln>
+        </p:spPr>
+        <p:style>
+          <a:lnRef idx="2">
+            <a:schemeClr val="dk1"/>
+          </a:lnRef>
+          <a:fillRef idx="0">
+            <a:schemeClr val="dk1"/>
+          </a:fillRef>
+          <a:effectRef idx="1">
+            <a:schemeClr val="dk1"/>
+          </a:effectRef>
+          <a:fontRef idx="minor">
+            <a:schemeClr val="tx1"/>
+          </a:fontRef>
+        </p:style>
+      </p:cxnSp>
+      <p:cxnSp>
+        <p:nvCxnSpPr>
+          <p:cNvPr id="23" name="Straight Arrow Connector 22">
+            <a:extLst>
+              <a:ext uri="{FF2B5EF4-FFF2-40B4-BE49-F238E27FC236}">
+                <a16:creationId xmlns:a16="http://schemas.microsoft.com/office/drawing/2014/main" id="{029C2A18-D01D-8DB7-ACCE-6A4BFE208142}"/>
+              </a:ext>
+            </a:extLst>
+          </p:cNvPr>
+          <p:cNvCxnSpPr>
+            <a:cxnSpLocks/>
+            <a:endCxn id="8" idx="0"/>
+          </p:cNvCxnSpPr>
+          <p:nvPr/>
+        </p:nvCxnSpPr>
+        <p:spPr>
+          <a:xfrm flipH="1">
+            <a:off x="7486637" y="1700219"/>
+            <a:ext cx="177529" cy="836307"/>
+          </a:xfrm>
+          <a:prstGeom prst="straightConnector1">
+            <a:avLst/>
+          </a:prstGeom>
+          <a:ln>
+            <a:tailEnd type="triangle"/>
+          </a:ln>
+        </p:spPr>
+        <p:style>
+          <a:lnRef idx="2">
+            <a:schemeClr val="dk1"/>
+          </a:lnRef>
+          <a:fillRef idx="0">
+            <a:schemeClr val="dk1"/>
+          </a:fillRef>
+          <a:effectRef idx="1">
+            <a:schemeClr val="dk1"/>
+          </a:effectRef>
+          <a:fontRef idx="minor">
+            <a:schemeClr val="tx1"/>
+          </a:fontRef>
+        </p:style>
+      </p:cxnSp>
+      <p:cxnSp>
+        <p:nvCxnSpPr>
+          <p:cNvPr id="26" name="Straight Arrow Connector 25">
+            <a:extLst>
+              <a:ext uri="{FF2B5EF4-FFF2-40B4-BE49-F238E27FC236}">
+                <a16:creationId xmlns:a16="http://schemas.microsoft.com/office/drawing/2014/main" id="{AC2AFE63-1AB6-AA70-FA29-28C9C3E15D47}"/>
+              </a:ext>
+            </a:extLst>
+          </p:cNvPr>
+          <p:cNvCxnSpPr>
+            <a:cxnSpLocks/>
+            <a:stCxn id="4" idx="2"/>
+            <a:endCxn id="9" idx="0"/>
+          </p:cNvCxnSpPr>
+          <p:nvPr/>
+        </p:nvCxnSpPr>
+        <p:spPr>
+          <a:xfrm>
+            <a:off x="7672060" y="1700219"/>
+            <a:ext cx="829496" cy="836307"/>
+          </a:xfrm>
+          <a:prstGeom prst="straightConnector1">
+            <a:avLst/>
+          </a:prstGeom>
+          <a:ln>
+            <a:tailEnd type="triangle"/>
+          </a:ln>
+        </p:spPr>
+        <p:style>
+          <a:lnRef idx="2">
+            <a:schemeClr val="dk1"/>
+          </a:lnRef>
+          <a:fillRef idx="0">
+            <a:schemeClr val="dk1"/>
+          </a:fillRef>
+          <a:effectRef idx="1">
+            <a:schemeClr val="dk1"/>
+          </a:effectRef>
+          <a:fontRef idx="minor">
+            <a:schemeClr val="tx1"/>
+          </a:fontRef>
+        </p:style>
+      </p:cxnSp>
+      <p:cxnSp>
+        <p:nvCxnSpPr>
+          <p:cNvPr id="29" name="Straight Arrow Connector 28">
+            <a:extLst>
+              <a:ext uri="{FF2B5EF4-FFF2-40B4-BE49-F238E27FC236}">
+                <a16:creationId xmlns:a16="http://schemas.microsoft.com/office/drawing/2014/main" id="{48E76696-A8C9-23FF-3FD5-0AEF723D1EFE}"/>
+              </a:ext>
+            </a:extLst>
+          </p:cNvPr>
+          <p:cNvCxnSpPr>
+            <a:cxnSpLocks/>
+            <a:endCxn id="10" idx="0"/>
+          </p:cNvCxnSpPr>
+          <p:nvPr/>
+        </p:nvCxnSpPr>
+        <p:spPr>
+          <a:xfrm>
+            <a:off x="7668113" y="1700219"/>
+            <a:ext cx="1848362" cy="836307"/>
+          </a:xfrm>
+          <a:prstGeom prst="straightConnector1">
+            <a:avLst/>
+          </a:prstGeom>
+          <a:ln>
+            <a:tailEnd type="triangle"/>
+          </a:ln>
+        </p:spPr>
+        <p:style>
+          <a:lnRef idx="2">
+            <a:schemeClr val="dk1"/>
+          </a:lnRef>
+          <a:fillRef idx="0">
+            <a:schemeClr val="dk1"/>
+          </a:fillRef>
+          <a:effectRef idx="1">
+            <a:schemeClr val="dk1"/>
+          </a:effectRef>
+          <a:fontRef idx="minor">
+            <a:schemeClr val="tx1"/>
+          </a:fontRef>
+        </p:style>
+      </p:cxnSp>
+      <p:cxnSp>
+        <p:nvCxnSpPr>
+          <p:cNvPr id="31" name="Straight Arrow Connector 30">
+            <a:extLst>
+              <a:ext uri="{FF2B5EF4-FFF2-40B4-BE49-F238E27FC236}">
+                <a16:creationId xmlns:a16="http://schemas.microsoft.com/office/drawing/2014/main" id="{03C18FDB-7194-42AA-2AEA-42E01AD05F23}"/>
+              </a:ext>
+            </a:extLst>
+          </p:cNvPr>
+          <p:cNvCxnSpPr>
+            <a:cxnSpLocks/>
+            <a:stCxn id="4" idx="2"/>
+            <a:endCxn id="11" idx="0"/>
+          </p:cNvCxnSpPr>
+          <p:nvPr/>
+        </p:nvCxnSpPr>
+        <p:spPr>
+          <a:xfrm>
+            <a:off x="7672060" y="1700219"/>
+            <a:ext cx="2933913" cy="836307"/>
+          </a:xfrm>
+          <a:prstGeom prst="straightConnector1">
+            <a:avLst/>
+          </a:prstGeom>
+          <a:ln>
+            <a:tailEnd type="triangle"/>
+          </a:ln>
+        </p:spPr>
+        <p:style>
+          <a:lnRef idx="2">
+            <a:schemeClr val="dk1"/>
+          </a:lnRef>
+          <a:fillRef idx="0">
+            <a:schemeClr val="dk1"/>
+          </a:fillRef>
+          <a:effectRef idx="1">
+            <a:schemeClr val="dk1"/>
+          </a:effectRef>
+          <a:fontRef idx="minor">
+            <a:schemeClr val="tx1"/>
+          </a:fontRef>
+        </p:style>
+      </p:cxnSp>
+      <p:cxnSp>
+        <p:nvCxnSpPr>
+          <p:cNvPr id="35" name="Straight Arrow Connector 34">
+            <a:extLst>
+              <a:ext uri="{FF2B5EF4-FFF2-40B4-BE49-F238E27FC236}">
+                <a16:creationId xmlns:a16="http://schemas.microsoft.com/office/drawing/2014/main" id="{0BFFFCBE-40F2-0A19-BC2A-3D3B8EEF88EB}"/>
+              </a:ext>
+            </a:extLst>
+          </p:cNvPr>
+          <p:cNvCxnSpPr>
+            <a:cxnSpLocks/>
+          </p:cNvCxnSpPr>
+          <p:nvPr/>
+        </p:nvCxnSpPr>
+        <p:spPr>
+          <a:xfrm>
+            <a:off x="2593684" y="1332946"/>
+            <a:ext cx="790647" cy="0"/>
+          </a:xfrm>
+          <a:prstGeom prst="straightConnector1">
+            <a:avLst/>
+          </a:prstGeom>
+          <a:ln>
+            <a:tailEnd type="triangle"/>
+          </a:ln>
+        </p:spPr>
+        <p:style>
+          <a:lnRef idx="2">
+            <a:schemeClr val="accent1"/>
+          </a:lnRef>
+          <a:fillRef idx="0">
+            <a:schemeClr val="accent1"/>
+          </a:fillRef>
+          <a:effectRef idx="1">
+            <a:schemeClr val="accent1"/>
+          </a:effectRef>
+          <a:fontRef idx="minor">
+            <a:schemeClr val="tx1"/>
+          </a:fontRef>
+        </p:style>
+      </p:cxnSp>
+      <p:sp>
+        <p:nvSpPr>
+          <p:cNvPr id="37" name="TextBox 36">
+            <a:extLst>
+              <a:ext uri="{FF2B5EF4-FFF2-40B4-BE49-F238E27FC236}">
+                <a16:creationId xmlns:a16="http://schemas.microsoft.com/office/drawing/2014/main" id="{1EA08F37-4586-749F-2DC9-07CD576AB0AE}"/>
+              </a:ext>
+            </a:extLst>
+          </p:cNvPr>
+          <p:cNvSpPr txBox="1"/>
+          <p:nvPr/>
+        </p:nvSpPr>
+        <p:spPr>
+          <a:xfrm>
+            <a:off x="978579" y="2620135"/>
+            <a:ext cx="1569597" cy="400110"/>
+          </a:xfrm>
+          <a:prstGeom prst="rect">
+            <a:avLst/>
+          </a:prstGeom>
+          <a:noFill/>
+        </p:spPr>
+        <p:txBody>
+          <a:bodyPr wrap="none" rtlCol="0">
+            <a:spAutoFit/>
+          </a:bodyPr>
+          <a:lstStyle/>
+          <a:p>
+            <a:r>
+              <a:rPr lang="en-US" sz="2000" dirty="0" err="1"/>
+              <a:t>Tokenisation</a:t>
+            </a:r>
+            <a:endParaRPr lang="en-US" sz="2000" dirty="0"/>
+          </a:p>
+        </p:txBody>
+      </p:sp>
+      <p:cxnSp>
+        <p:nvCxnSpPr>
+          <p:cNvPr id="38" name="Straight Arrow Connector 37">
+            <a:extLst>
+              <a:ext uri="{FF2B5EF4-FFF2-40B4-BE49-F238E27FC236}">
+                <a16:creationId xmlns:a16="http://schemas.microsoft.com/office/drawing/2014/main" id="{0D087CFA-037A-AD28-91B5-16446832A447}"/>
+              </a:ext>
+            </a:extLst>
+          </p:cNvPr>
+          <p:cNvCxnSpPr>
+            <a:cxnSpLocks/>
+          </p:cNvCxnSpPr>
+          <p:nvPr/>
+        </p:nvCxnSpPr>
+        <p:spPr>
+          <a:xfrm>
+            <a:off x="2593683" y="2820190"/>
+            <a:ext cx="790647" cy="0"/>
+          </a:xfrm>
+          <a:prstGeom prst="straightConnector1">
+            <a:avLst/>
+          </a:prstGeom>
+          <a:ln>
+            <a:tailEnd type="triangle"/>
+          </a:ln>
+        </p:spPr>
+        <p:style>
+          <a:lnRef idx="2">
+            <a:schemeClr val="accent1"/>
+          </a:lnRef>
+          <a:fillRef idx="0">
+            <a:schemeClr val="accent1"/>
+          </a:fillRef>
+          <a:effectRef idx="1">
+            <a:schemeClr val="accent1"/>
+          </a:effectRef>
+          <a:fontRef idx="minor">
+            <a:schemeClr val="tx1"/>
+          </a:fontRef>
+        </p:style>
+      </p:cxnSp>
+      <p:sp>
+        <p:nvSpPr>
+          <p:cNvPr id="39" name="TextBox 38">
+            <a:extLst>
+              <a:ext uri="{FF2B5EF4-FFF2-40B4-BE49-F238E27FC236}">
+                <a16:creationId xmlns:a16="http://schemas.microsoft.com/office/drawing/2014/main" id="{F92EF388-DCB0-12D5-9055-645110FADA1A}"/>
+              </a:ext>
+            </a:extLst>
+          </p:cNvPr>
+          <p:cNvSpPr txBox="1"/>
+          <p:nvPr/>
+        </p:nvSpPr>
+        <p:spPr>
+          <a:xfrm>
+            <a:off x="978579" y="4682691"/>
+            <a:ext cx="1564852" cy="400110"/>
+          </a:xfrm>
+          <a:prstGeom prst="rect">
+            <a:avLst/>
+          </a:prstGeom>
+          <a:noFill/>
+        </p:spPr>
+        <p:txBody>
+          <a:bodyPr wrap="none" rtlCol="0">
+            <a:spAutoFit/>
+          </a:bodyPr>
+          <a:lstStyle/>
+          <a:p>
+            <a:r>
+              <a:rPr lang="en-US" sz="2000" dirty="0"/>
+              <a:t>Embeddings</a:t>
+            </a:r>
+          </a:p>
+        </p:txBody>
+      </p:sp>
+      <p:cxnSp>
+        <p:nvCxnSpPr>
+          <p:cNvPr id="40" name="Straight Arrow Connector 39">
+            <a:extLst>
+              <a:ext uri="{FF2B5EF4-FFF2-40B4-BE49-F238E27FC236}">
+                <a16:creationId xmlns:a16="http://schemas.microsoft.com/office/drawing/2014/main" id="{2E6B5583-4324-BD90-58E3-9E0F67156D9E}"/>
+              </a:ext>
+            </a:extLst>
+          </p:cNvPr>
+          <p:cNvCxnSpPr>
+            <a:cxnSpLocks/>
+          </p:cNvCxnSpPr>
+          <p:nvPr/>
+        </p:nvCxnSpPr>
+        <p:spPr>
+          <a:xfrm>
+            <a:off x="2593683" y="4882746"/>
+            <a:ext cx="790647" cy="0"/>
+          </a:xfrm>
+          <a:prstGeom prst="straightConnector1">
+            <a:avLst/>
+          </a:prstGeom>
+          <a:ln>
+            <a:tailEnd type="triangle"/>
+          </a:ln>
+        </p:spPr>
+        <p:style>
+          <a:lnRef idx="2">
+            <a:schemeClr val="accent1"/>
+          </a:lnRef>
+          <a:fillRef idx="0">
+            <a:schemeClr val="accent1"/>
+          </a:fillRef>
+          <a:effectRef idx="1">
+            <a:schemeClr val="accent1"/>
+          </a:effectRef>
+          <a:fontRef idx="minor">
+            <a:schemeClr val="tx1"/>
+          </a:fontRef>
+        </p:style>
+      </p:cxnSp>
+      <p:sp>
+        <p:nvSpPr>
+          <p:cNvPr id="43" name="Left Bracket 42">
+            <a:extLst>
+              <a:ext uri="{FF2B5EF4-FFF2-40B4-BE49-F238E27FC236}">
+                <a16:creationId xmlns:a16="http://schemas.microsoft.com/office/drawing/2014/main" id="{26AD4E81-14F9-F493-939B-D1E1D0400597}"/>
+              </a:ext>
+            </a:extLst>
+          </p:cNvPr>
+          <p:cNvSpPr/>
+          <p:nvPr/>
+        </p:nvSpPr>
+        <p:spPr>
+          <a:xfrm>
+            <a:off x="4147477" y="4231322"/>
+            <a:ext cx="158129" cy="1325194"/>
+          </a:xfrm>
+          <a:prstGeom prst="leftBracket">
+            <a:avLst/>
+          </a:prstGeom>
+        </p:spPr>
+        <p:style>
+          <a:lnRef idx="2">
+            <a:schemeClr val="dk1"/>
+          </a:lnRef>
+          <a:fillRef idx="0">
+            <a:schemeClr val="dk1"/>
+          </a:fillRef>
+          <a:effectRef idx="1">
+            <a:schemeClr val="dk1"/>
+          </a:effectRef>
+          <a:fontRef idx="minor">
+            <a:schemeClr val="tx1"/>
+          </a:fontRef>
+        </p:style>
+        <p:txBody>
+          <a:bodyPr rtlCol="0" anchor="ctr"/>
+          <a:lstStyle/>
+          <a:p>
+            <a:pPr algn="ctr"/>
+            <a:endParaRPr lang="en-US"/>
+          </a:p>
+        </p:txBody>
+      </p:sp>
+      <p:sp>
+        <p:nvSpPr>
+          <p:cNvPr id="46" name="TextBox 45">
+            <a:extLst>
+              <a:ext uri="{FF2B5EF4-FFF2-40B4-BE49-F238E27FC236}">
+                <a16:creationId xmlns:a16="http://schemas.microsoft.com/office/drawing/2014/main" id="{05B00942-E9DD-EF2D-0A15-15CF0DAD8E38}"/>
+              </a:ext>
+            </a:extLst>
+          </p:cNvPr>
+          <p:cNvSpPr txBox="1"/>
+          <p:nvPr/>
+        </p:nvSpPr>
+        <p:spPr>
+          <a:xfrm>
+            <a:off x="4175551" y="4258824"/>
+            <a:ext cx="501888" cy="1323439"/>
+          </a:xfrm>
+          <a:prstGeom prst="rect">
+            <a:avLst/>
+          </a:prstGeom>
+          <a:noFill/>
+        </p:spPr>
+        <p:txBody>
+          <a:bodyPr wrap="square" rtlCol="0">
+            <a:spAutoFit/>
+          </a:bodyPr>
+          <a:lstStyle/>
+          <a:p>
+            <a:r>
+              <a:rPr lang="en-US" sz="1000" dirty="0"/>
+              <a:t>-1.65</a:t>
+            </a:r>
+          </a:p>
+          <a:p>
+            <a:r>
+              <a:rPr lang="en-US" sz="1000" dirty="0"/>
+              <a:t>  2.32</a:t>
+            </a:r>
+          </a:p>
+          <a:p>
+            <a:r>
+              <a:rPr lang="en-US" sz="1000" dirty="0"/>
+              <a:t>  4.77</a:t>
+            </a:r>
+          </a:p>
+          <a:p>
+            <a:r>
+              <a:rPr lang="en-US" sz="1000" dirty="0"/>
+              <a:t>-0.54</a:t>
+            </a:r>
+          </a:p>
+          <a:p>
+            <a:r>
+              <a:rPr lang="en-US" sz="1000" dirty="0"/>
+              <a:t>  1.22</a:t>
+            </a:r>
+          </a:p>
+          <a:p>
+            <a:r>
+              <a:rPr lang="en-US" sz="1000" dirty="0"/>
+              <a:t>  5.41</a:t>
+            </a:r>
+          </a:p>
+          <a:p>
+            <a:r>
+              <a:rPr lang="en-US" sz="1000" dirty="0"/>
+              <a:t>       …</a:t>
+            </a:r>
+          </a:p>
+          <a:p>
+            <a:r>
+              <a:rPr lang="en-US" sz="1000" dirty="0"/>
+              <a:t>  8.47</a:t>
+            </a:r>
+          </a:p>
+        </p:txBody>
+      </p:sp>
+      <p:sp>
+        <p:nvSpPr>
+          <p:cNvPr id="47" name="Left Bracket 46">
+            <a:extLst>
+              <a:ext uri="{FF2B5EF4-FFF2-40B4-BE49-F238E27FC236}">
+                <a16:creationId xmlns:a16="http://schemas.microsoft.com/office/drawing/2014/main" id="{5403EF14-7087-C30B-CFE4-1F8716D0A4AA}"/>
+              </a:ext>
+            </a:extLst>
+          </p:cNvPr>
+          <p:cNvSpPr/>
+          <p:nvPr/>
+        </p:nvSpPr>
+        <p:spPr>
+          <a:xfrm flipH="1">
+            <a:off x="4547384" y="4231322"/>
+            <a:ext cx="158129" cy="1325194"/>
+          </a:xfrm>
+          <a:prstGeom prst="leftBracket">
+            <a:avLst/>
+          </a:prstGeom>
+        </p:spPr>
+        <p:style>
+          <a:lnRef idx="2">
+            <a:schemeClr val="dk1"/>
+          </a:lnRef>
+          <a:fillRef idx="0">
+            <a:schemeClr val="dk1"/>
+          </a:fillRef>
+          <a:effectRef idx="1">
+            <a:schemeClr val="dk1"/>
+          </a:effectRef>
+          <a:fontRef idx="minor">
+            <a:schemeClr val="tx1"/>
+          </a:fontRef>
+        </p:style>
+        <p:txBody>
+          <a:bodyPr rtlCol="0" anchor="ctr"/>
+          <a:lstStyle/>
+          <a:p>
+            <a:pPr algn="ctr"/>
+            <a:endParaRPr lang="en-US"/>
+          </a:p>
+        </p:txBody>
+      </p:sp>
+      <p:cxnSp>
+        <p:nvCxnSpPr>
+          <p:cNvPr id="49" name="Straight Arrow Connector 48">
+            <a:extLst>
+              <a:ext uri="{FF2B5EF4-FFF2-40B4-BE49-F238E27FC236}">
+                <a16:creationId xmlns:a16="http://schemas.microsoft.com/office/drawing/2014/main" id="{4B823A90-6A0D-D977-DDF7-A913FA1F8E5D}"/>
+              </a:ext>
+            </a:extLst>
+          </p:cNvPr>
+          <p:cNvCxnSpPr>
+            <a:stCxn id="5" idx="2"/>
+          </p:cNvCxnSpPr>
+          <p:nvPr/>
+        </p:nvCxnSpPr>
+        <p:spPr>
+          <a:xfrm>
+            <a:off x="4441880" y="3103854"/>
+            <a:ext cx="0" cy="1017465"/>
+          </a:xfrm>
+          <a:prstGeom prst="straightConnector1">
+            <a:avLst/>
+          </a:prstGeom>
+          <a:ln>
+            <a:tailEnd type="triangle"/>
+          </a:ln>
+        </p:spPr>
+        <p:style>
+          <a:lnRef idx="2">
+            <a:schemeClr val="dk1"/>
+          </a:lnRef>
+          <a:fillRef idx="0">
+            <a:schemeClr val="dk1"/>
+          </a:fillRef>
+          <a:effectRef idx="1">
+            <a:schemeClr val="dk1"/>
+          </a:effectRef>
+          <a:fontRef idx="minor">
+            <a:schemeClr val="tx1"/>
+          </a:fontRef>
+        </p:style>
+      </p:cxnSp>
+      <p:sp>
+        <p:nvSpPr>
+          <p:cNvPr id="50" name="Left Bracket 49">
+            <a:extLst>
+              <a:ext uri="{FF2B5EF4-FFF2-40B4-BE49-F238E27FC236}">
+                <a16:creationId xmlns:a16="http://schemas.microsoft.com/office/drawing/2014/main" id="{CA09D69B-6700-5CC4-8533-E243A9167A2E}"/>
+              </a:ext>
+            </a:extLst>
+          </p:cNvPr>
+          <p:cNvSpPr/>
+          <p:nvPr/>
+        </p:nvSpPr>
+        <p:spPr>
+          <a:xfrm>
+            <a:off x="5162396" y="4231322"/>
+            <a:ext cx="158129" cy="1325194"/>
+          </a:xfrm>
+          <a:prstGeom prst="leftBracket">
+            <a:avLst/>
+          </a:prstGeom>
+        </p:spPr>
+        <p:style>
+          <a:lnRef idx="2">
+            <a:schemeClr val="dk1"/>
+          </a:lnRef>
+          <a:fillRef idx="0">
+            <a:schemeClr val="dk1"/>
+          </a:fillRef>
+          <a:effectRef idx="1">
+            <a:schemeClr val="dk1"/>
+          </a:effectRef>
+          <a:fontRef idx="minor">
+            <a:schemeClr val="tx1"/>
+          </a:fontRef>
+        </p:style>
+        <p:txBody>
+          <a:bodyPr rtlCol="0" anchor="ctr"/>
+          <a:lstStyle/>
+          <a:p>
+            <a:pPr algn="ctr"/>
+            <a:endParaRPr lang="en-US"/>
+          </a:p>
+        </p:txBody>
+      </p:sp>
+      <p:sp>
+        <p:nvSpPr>
+          <p:cNvPr id="51" name="TextBox 50">
+            <a:extLst>
+              <a:ext uri="{FF2B5EF4-FFF2-40B4-BE49-F238E27FC236}">
+                <a16:creationId xmlns:a16="http://schemas.microsoft.com/office/drawing/2014/main" id="{C3B5F340-4C02-4C4F-FEC9-B80C516C8BEA}"/>
+              </a:ext>
+            </a:extLst>
+          </p:cNvPr>
+          <p:cNvSpPr txBox="1"/>
+          <p:nvPr/>
+        </p:nvSpPr>
+        <p:spPr>
+          <a:xfrm>
+            <a:off x="5190470" y="4258824"/>
+            <a:ext cx="501888" cy="1323439"/>
+          </a:xfrm>
+          <a:prstGeom prst="rect">
+            <a:avLst/>
+          </a:prstGeom>
+          <a:noFill/>
+        </p:spPr>
+        <p:txBody>
+          <a:bodyPr wrap="square" rtlCol="0">
+            <a:spAutoFit/>
+          </a:bodyPr>
+          <a:lstStyle/>
+          <a:p>
+            <a:r>
+              <a:rPr lang="en-US" sz="1000" dirty="0"/>
+              <a:t>  4.54</a:t>
+            </a:r>
+          </a:p>
+          <a:p>
+            <a:r>
+              <a:rPr lang="en-US" sz="1000" dirty="0"/>
+              <a:t>  1.05</a:t>
+            </a:r>
+          </a:p>
+          <a:p>
+            <a:r>
+              <a:rPr lang="en-US" sz="1000" dirty="0"/>
+              <a:t>-0.25</a:t>
+            </a:r>
+          </a:p>
+          <a:p>
+            <a:r>
+              <a:rPr lang="en-US" sz="1000" dirty="0"/>
+              <a:t>-2.41</a:t>
+            </a:r>
+          </a:p>
+          <a:p>
+            <a:r>
+              <a:rPr lang="en-US" sz="1000" dirty="0"/>
+              <a:t>  3.64</a:t>
+            </a:r>
+          </a:p>
+          <a:p>
+            <a:r>
+              <a:rPr lang="en-US" sz="1000" dirty="0"/>
+              <a:t>-1.22</a:t>
+            </a:r>
+          </a:p>
+          <a:p>
+            <a:r>
+              <a:rPr lang="en-US" sz="1000" dirty="0"/>
+              <a:t>       …</a:t>
+            </a:r>
+          </a:p>
+          <a:p>
+            <a:r>
+              <a:rPr lang="en-US" sz="1000" dirty="0"/>
+              <a:t>  2.46</a:t>
+            </a:r>
+          </a:p>
+        </p:txBody>
+      </p:sp>
+      <p:sp>
+        <p:nvSpPr>
+          <p:cNvPr id="52" name="Left Bracket 51">
+            <a:extLst>
+              <a:ext uri="{FF2B5EF4-FFF2-40B4-BE49-F238E27FC236}">
+                <a16:creationId xmlns:a16="http://schemas.microsoft.com/office/drawing/2014/main" id="{87818C97-2A96-2D48-3E94-A1355F3C7B0E}"/>
+              </a:ext>
+            </a:extLst>
+          </p:cNvPr>
+          <p:cNvSpPr/>
+          <p:nvPr/>
+        </p:nvSpPr>
+        <p:spPr>
+          <a:xfrm flipH="1">
+            <a:off x="5562303" y="4231322"/>
+            <a:ext cx="158129" cy="1325194"/>
+          </a:xfrm>
+          <a:prstGeom prst="leftBracket">
+            <a:avLst/>
+          </a:prstGeom>
+        </p:spPr>
+        <p:style>
+          <a:lnRef idx="2">
+            <a:schemeClr val="dk1"/>
+          </a:lnRef>
+          <a:fillRef idx="0">
+            <a:schemeClr val="dk1"/>
+          </a:fillRef>
+          <a:effectRef idx="1">
+            <a:schemeClr val="dk1"/>
+          </a:effectRef>
+          <a:fontRef idx="minor">
+            <a:schemeClr val="tx1"/>
+          </a:fontRef>
+        </p:style>
+        <p:txBody>
+          <a:bodyPr rtlCol="0" anchor="ctr"/>
+          <a:lstStyle/>
+          <a:p>
+            <a:pPr algn="ctr"/>
+            <a:endParaRPr lang="en-US"/>
+          </a:p>
+        </p:txBody>
+      </p:sp>
+      <p:cxnSp>
+        <p:nvCxnSpPr>
+          <p:cNvPr id="53" name="Straight Arrow Connector 52">
+            <a:extLst>
+              <a:ext uri="{FF2B5EF4-FFF2-40B4-BE49-F238E27FC236}">
+                <a16:creationId xmlns:a16="http://schemas.microsoft.com/office/drawing/2014/main" id="{3912EF39-3A95-1922-CF4C-262C5DC07DEC}"/>
+              </a:ext>
+            </a:extLst>
+          </p:cNvPr>
+          <p:cNvCxnSpPr/>
+          <p:nvPr/>
+        </p:nvCxnSpPr>
+        <p:spPr>
+          <a:xfrm>
+            <a:off x="5456799" y="3103854"/>
+            <a:ext cx="0" cy="1017465"/>
+          </a:xfrm>
+          <a:prstGeom prst="straightConnector1">
+            <a:avLst/>
+          </a:prstGeom>
+          <a:ln>
+            <a:tailEnd type="triangle"/>
+          </a:ln>
+        </p:spPr>
+        <p:style>
+          <a:lnRef idx="2">
+            <a:schemeClr val="dk1"/>
+          </a:lnRef>
+          <a:fillRef idx="0">
+            <a:schemeClr val="dk1"/>
+          </a:fillRef>
+          <a:effectRef idx="1">
+            <a:schemeClr val="dk1"/>
+          </a:effectRef>
+          <a:fontRef idx="minor">
+            <a:schemeClr val="tx1"/>
+          </a:fontRef>
+        </p:style>
+      </p:cxnSp>
+      <p:sp>
+        <p:nvSpPr>
+          <p:cNvPr id="54" name="Left Bracket 53">
+            <a:extLst>
+              <a:ext uri="{FF2B5EF4-FFF2-40B4-BE49-F238E27FC236}">
+                <a16:creationId xmlns:a16="http://schemas.microsoft.com/office/drawing/2014/main" id="{26A42C9E-E577-2B7D-1CE8-16BED91347CC}"/>
+              </a:ext>
+            </a:extLst>
+          </p:cNvPr>
+          <p:cNvSpPr/>
+          <p:nvPr/>
+        </p:nvSpPr>
+        <p:spPr>
+          <a:xfrm>
+            <a:off x="6177315" y="4231322"/>
+            <a:ext cx="158129" cy="1325194"/>
+          </a:xfrm>
+          <a:prstGeom prst="leftBracket">
+            <a:avLst/>
+          </a:prstGeom>
+        </p:spPr>
+        <p:style>
+          <a:lnRef idx="2">
+            <a:schemeClr val="dk1"/>
+          </a:lnRef>
+          <a:fillRef idx="0">
+            <a:schemeClr val="dk1"/>
+          </a:fillRef>
+          <a:effectRef idx="1">
+            <a:schemeClr val="dk1"/>
+          </a:effectRef>
+          <a:fontRef idx="minor">
+            <a:schemeClr val="tx1"/>
+          </a:fontRef>
+        </p:style>
+        <p:txBody>
+          <a:bodyPr rtlCol="0" anchor="ctr"/>
+          <a:lstStyle/>
+          <a:p>
+            <a:pPr algn="ctr"/>
+            <a:endParaRPr lang="en-US"/>
+          </a:p>
+        </p:txBody>
+      </p:sp>
+      <p:sp>
+        <p:nvSpPr>
+          <p:cNvPr id="55" name="TextBox 54">
+            <a:extLst>
+              <a:ext uri="{FF2B5EF4-FFF2-40B4-BE49-F238E27FC236}">
+                <a16:creationId xmlns:a16="http://schemas.microsoft.com/office/drawing/2014/main" id="{B0AFDB7E-17C9-5EA8-F0DD-B9548FC5BFE4}"/>
+              </a:ext>
+            </a:extLst>
+          </p:cNvPr>
+          <p:cNvSpPr txBox="1"/>
+          <p:nvPr/>
+        </p:nvSpPr>
+        <p:spPr>
+          <a:xfrm>
+            <a:off x="6205389" y="4258824"/>
+            <a:ext cx="501888" cy="1323439"/>
+          </a:xfrm>
+          <a:prstGeom prst="rect">
+            <a:avLst/>
+          </a:prstGeom>
+          <a:noFill/>
+        </p:spPr>
+        <p:txBody>
+          <a:bodyPr wrap="square" rtlCol="0">
+            <a:spAutoFit/>
+          </a:bodyPr>
+          <a:lstStyle/>
+          <a:p>
+            <a:r>
+              <a:rPr lang="en-US" sz="1000" dirty="0"/>
+              <a:t>-2.33</a:t>
+            </a:r>
+          </a:p>
+          <a:p>
+            <a:r>
+              <a:rPr lang="en-US" sz="1000" dirty="0"/>
+              <a:t>  1.98</a:t>
+            </a:r>
+          </a:p>
+          <a:p>
+            <a:r>
+              <a:rPr lang="en-US" sz="1000" dirty="0"/>
+              <a:t>-1.85</a:t>
+            </a:r>
+          </a:p>
+          <a:p>
+            <a:r>
+              <a:rPr lang="en-US" sz="1000" dirty="0"/>
+              <a:t>  1.11</a:t>
+            </a:r>
+          </a:p>
+          <a:p>
+            <a:r>
+              <a:rPr lang="en-US" sz="1000" dirty="0"/>
+              <a:t>-9.25</a:t>
+            </a:r>
+          </a:p>
+          <a:p>
+            <a:r>
+              <a:rPr lang="en-US" sz="1000" dirty="0"/>
+              <a:t>  0.21</a:t>
+            </a:r>
+          </a:p>
+          <a:p>
+            <a:r>
+              <a:rPr lang="en-US" sz="1000" dirty="0"/>
+              <a:t>       …</a:t>
+            </a:r>
+          </a:p>
+          <a:p>
+            <a:r>
+              <a:rPr lang="en-US" sz="1000" dirty="0"/>
+              <a:t>-2.56</a:t>
+            </a:r>
+          </a:p>
+        </p:txBody>
+      </p:sp>
+      <p:sp>
+        <p:nvSpPr>
+          <p:cNvPr id="56" name="Left Bracket 55">
+            <a:extLst>
+              <a:ext uri="{FF2B5EF4-FFF2-40B4-BE49-F238E27FC236}">
+                <a16:creationId xmlns:a16="http://schemas.microsoft.com/office/drawing/2014/main" id="{4906443E-C4A6-B282-BDB9-E736F5BBAEA1}"/>
+              </a:ext>
+            </a:extLst>
+          </p:cNvPr>
+          <p:cNvSpPr/>
+          <p:nvPr/>
+        </p:nvSpPr>
+        <p:spPr>
+          <a:xfrm flipH="1">
+            <a:off x="6577222" y="4231322"/>
+            <a:ext cx="158129" cy="1325194"/>
+          </a:xfrm>
+          <a:prstGeom prst="leftBracket">
+            <a:avLst/>
+          </a:prstGeom>
+        </p:spPr>
+        <p:style>
+          <a:lnRef idx="2">
+            <a:schemeClr val="dk1"/>
+          </a:lnRef>
+          <a:fillRef idx="0">
+            <a:schemeClr val="dk1"/>
+          </a:fillRef>
+          <a:effectRef idx="1">
+            <a:schemeClr val="dk1"/>
+          </a:effectRef>
+          <a:fontRef idx="minor">
+            <a:schemeClr val="tx1"/>
+          </a:fontRef>
+        </p:style>
+        <p:txBody>
+          <a:bodyPr rtlCol="0" anchor="ctr"/>
+          <a:lstStyle/>
+          <a:p>
+            <a:pPr algn="ctr"/>
+            <a:endParaRPr lang="en-US"/>
+          </a:p>
+        </p:txBody>
+      </p:sp>
+      <p:cxnSp>
+        <p:nvCxnSpPr>
+          <p:cNvPr id="57" name="Straight Arrow Connector 56">
+            <a:extLst>
+              <a:ext uri="{FF2B5EF4-FFF2-40B4-BE49-F238E27FC236}">
+                <a16:creationId xmlns:a16="http://schemas.microsoft.com/office/drawing/2014/main" id="{2FD5425E-CD39-43A4-9A77-9230E2EC8492}"/>
+              </a:ext>
+            </a:extLst>
+          </p:cNvPr>
+          <p:cNvCxnSpPr/>
+          <p:nvPr/>
+        </p:nvCxnSpPr>
+        <p:spPr>
+          <a:xfrm>
+            <a:off x="6471718" y="3103854"/>
+            <a:ext cx="0" cy="1017465"/>
+          </a:xfrm>
+          <a:prstGeom prst="straightConnector1">
+            <a:avLst/>
+          </a:prstGeom>
+          <a:ln>
+            <a:tailEnd type="triangle"/>
+          </a:ln>
+        </p:spPr>
+        <p:style>
+          <a:lnRef idx="2">
+            <a:schemeClr val="dk1"/>
+          </a:lnRef>
+          <a:fillRef idx="0">
+            <a:schemeClr val="dk1"/>
+          </a:fillRef>
+          <a:effectRef idx="1">
+            <a:schemeClr val="dk1"/>
+          </a:effectRef>
+          <a:fontRef idx="minor">
+            <a:schemeClr val="tx1"/>
+          </a:fontRef>
+        </p:style>
+      </p:cxnSp>
+      <p:sp>
+        <p:nvSpPr>
+          <p:cNvPr id="58" name="Left Bracket 57">
+            <a:extLst>
+              <a:ext uri="{FF2B5EF4-FFF2-40B4-BE49-F238E27FC236}">
+                <a16:creationId xmlns:a16="http://schemas.microsoft.com/office/drawing/2014/main" id="{120FDBC0-3761-A930-BE0F-09D2E6DAAE1E}"/>
+              </a:ext>
+            </a:extLst>
+          </p:cNvPr>
+          <p:cNvSpPr/>
+          <p:nvPr/>
+        </p:nvSpPr>
+        <p:spPr>
+          <a:xfrm>
+            <a:off x="7220308" y="4231322"/>
+            <a:ext cx="158129" cy="1325194"/>
+          </a:xfrm>
+          <a:prstGeom prst="leftBracket">
+            <a:avLst/>
+          </a:prstGeom>
+        </p:spPr>
+        <p:style>
+          <a:lnRef idx="2">
+            <a:schemeClr val="dk1"/>
+          </a:lnRef>
+          <a:fillRef idx="0">
+            <a:schemeClr val="dk1"/>
+          </a:fillRef>
+          <a:effectRef idx="1">
+            <a:schemeClr val="dk1"/>
+          </a:effectRef>
+          <a:fontRef idx="minor">
+            <a:schemeClr val="tx1"/>
+          </a:fontRef>
+        </p:style>
+        <p:txBody>
+          <a:bodyPr rtlCol="0" anchor="ctr"/>
+          <a:lstStyle/>
+          <a:p>
+            <a:pPr algn="ctr"/>
+            <a:endParaRPr lang="en-US"/>
+          </a:p>
+        </p:txBody>
+      </p:sp>
+      <p:sp>
+        <p:nvSpPr>
+          <p:cNvPr id="59" name="TextBox 58">
+            <a:extLst>
+              <a:ext uri="{FF2B5EF4-FFF2-40B4-BE49-F238E27FC236}">
+                <a16:creationId xmlns:a16="http://schemas.microsoft.com/office/drawing/2014/main" id="{F5C5CD30-2622-3BB3-5349-8C9962563077}"/>
+              </a:ext>
+            </a:extLst>
+          </p:cNvPr>
+          <p:cNvSpPr txBox="1"/>
+          <p:nvPr/>
+        </p:nvSpPr>
+        <p:spPr>
+          <a:xfrm>
+            <a:off x="7248382" y="4258824"/>
+            <a:ext cx="501888" cy="1323439"/>
+          </a:xfrm>
+          <a:prstGeom prst="rect">
+            <a:avLst/>
+          </a:prstGeom>
+          <a:noFill/>
+        </p:spPr>
+        <p:txBody>
+          <a:bodyPr wrap="square" rtlCol="0">
+            <a:spAutoFit/>
+          </a:bodyPr>
+          <a:lstStyle/>
+          <a:p>
+            <a:r>
+              <a:rPr lang="en-US" sz="1000" dirty="0"/>
+              <a:t>-0.03</a:t>
+            </a:r>
+          </a:p>
+          <a:p>
+            <a:r>
+              <a:rPr lang="en-US" sz="1000" dirty="0"/>
+              <a:t>  4.01</a:t>
+            </a:r>
+          </a:p>
+          <a:p>
+            <a:r>
+              <a:rPr lang="en-US" sz="1000" dirty="0"/>
+              <a:t>  1.25</a:t>
+            </a:r>
+          </a:p>
+          <a:p>
+            <a:r>
+              <a:rPr lang="en-US" sz="1000" dirty="0"/>
+              <a:t>-1.68</a:t>
+            </a:r>
+          </a:p>
+          <a:p>
+            <a:r>
+              <a:rPr lang="en-US" sz="1000" dirty="0"/>
+              <a:t>-2.22</a:t>
+            </a:r>
+          </a:p>
+          <a:p>
+            <a:r>
+              <a:rPr lang="en-US" sz="1000" dirty="0"/>
+              <a:t>  3.14</a:t>
+            </a:r>
+          </a:p>
+          <a:p>
+            <a:r>
+              <a:rPr lang="en-US" sz="1000" dirty="0"/>
+              <a:t>       …</a:t>
+            </a:r>
+          </a:p>
+          <a:p>
+            <a:r>
+              <a:rPr lang="en-US" sz="1000" dirty="0"/>
+              <a:t>  0.02</a:t>
+            </a:r>
+          </a:p>
+        </p:txBody>
+      </p:sp>
+      <p:sp>
+        <p:nvSpPr>
+          <p:cNvPr id="60" name="Left Bracket 59">
+            <a:extLst>
+              <a:ext uri="{FF2B5EF4-FFF2-40B4-BE49-F238E27FC236}">
+                <a16:creationId xmlns:a16="http://schemas.microsoft.com/office/drawing/2014/main" id="{C44CA19E-0112-FF1C-C1B6-6E645BCB59F3}"/>
+              </a:ext>
+            </a:extLst>
+          </p:cNvPr>
+          <p:cNvSpPr/>
+          <p:nvPr/>
+        </p:nvSpPr>
+        <p:spPr>
+          <a:xfrm flipH="1">
+            <a:off x="7620215" y="4231322"/>
+            <a:ext cx="158129" cy="1325194"/>
+          </a:xfrm>
+          <a:prstGeom prst="leftBracket">
+            <a:avLst/>
+          </a:prstGeom>
+        </p:spPr>
+        <p:style>
+          <a:lnRef idx="2">
+            <a:schemeClr val="dk1"/>
+          </a:lnRef>
+          <a:fillRef idx="0">
+            <a:schemeClr val="dk1"/>
+          </a:fillRef>
+          <a:effectRef idx="1">
+            <a:schemeClr val="dk1"/>
+          </a:effectRef>
+          <a:fontRef idx="minor">
+            <a:schemeClr val="tx1"/>
+          </a:fontRef>
+        </p:style>
+        <p:txBody>
+          <a:bodyPr rtlCol="0" anchor="ctr"/>
+          <a:lstStyle/>
+          <a:p>
+            <a:pPr algn="ctr"/>
+            <a:endParaRPr lang="en-US"/>
+          </a:p>
+        </p:txBody>
+      </p:sp>
+      <p:cxnSp>
+        <p:nvCxnSpPr>
+          <p:cNvPr id="61" name="Straight Arrow Connector 60">
+            <a:extLst>
+              <a:ext uri="{FF2B5EF4-FFF2-40B4-BE49-F238E27FC236}">
+                <a16:creationId xmlns:a16="http://schemas.microsoft.com/office/drawing/2014/main" id="{8F5DD41F-AEE7-BECD-80B8-9F7BA9C933AD}"/>
+              </a:ext>
+            </a:extLst>
+          </p:cNvPr>
+          <p:cNvCxnSpPr/>
+          <p:nvPr/>
+        </p:nvCxnSpPr>
+        <p:spPr>
+          <a:xfrm>
+            <a:off x="7514711" y="3103854"/>
+            <a:ext cx="0" cy="1017465"/>
+          </a:xfrm>
+          <a:prstGeom prst="straightConnector1">
+            <a:avLst/>
+          </a:prstGeom>
+          <a:ln>
+            <a:tailEnd type="triangle"/>
+          </a:ln>
+        </p:spPr>
+        <p:style>
+          <a:lnRef idx="2">
+            <a:schemeClr val="dk1"/>
+          </a:lnRef>
+          <a:fillRef idx="0">
+            <a:schemeClr val="dk1"/>
+          </a:fillRef>
+          <a:effectRef idx="1">
+            <a:schemeClr val="dk1"/>
+          </a:effectRef>
+          <a:fontRef idx="minor">
+            <a:schemeClr val="tx1"/>
+          </a:fontRef>
+        </p:style>
+      </p:cxnSp>
+      <p:sp>
+        <p:nvSpPr>
+          <p:cNvPr id="62" name="Left Bracket 61">
+            <a:extLst>
+              <a:ext uri="{FF2B5EF4-FFF2-40B4-BE49-F238E27FC236}">
+                <a16:creationId xmlns:a16="http://schemas.microsoft.com/office/drawing/2014/main" id="{A226BBB7-E880-F13D-DEA5-E616B8FDD9E0}"/>
+              </a:ext>
+            </a:extLst>
+          </p:cNvPr>
+          <p:cNvSpPr/>
+          <p:nvPr/>
+        </p:nvSpPr>
+        <p:spPr>
+          <a:xfrm>
+            <a:off x="8207153" y="4231322"/>
+            <a:ext cx="158129" cy="1325194"/>
+          </a:xfrm>
+          <a:prstGeom prst="leftBracket">
+            <a:avLst/>
+          </a:prstGeom>
+        </p:spPr>
+        <p:style>
+          <a:lnRef idx="2">
+            <a:schemeClr val="dk1"/>
+          </a:lnRef>
+          <a:fillRef idx="0">
+            <a:schemeClr val="dk1"/>
+          </a:fillRef>
+          <a:effectRef idx="1">
+            <a:schemeClr val="dk1"/>
+          </a:effectRef>
+          <a:fontRef idx="minor">
+            <a:schemeClr val="tx1"/>
+          </a:fontRef>
+        </p:style>
+        <p:txBody>
+          <a:bodyPr rtlCol="0" anchor="ctr"/>
+          <a:lstStyle/>
+          <a:p>
+            <a:pPr algn="ctr"/>
+            <a:endParaRPr lang="en-US"/>
+          </a:p>
+        </p:txBody>
+      </p:sp>
+      <p:sp>
+        <p:nvSpPr>
+          <p:cNvPr id="63" name="TextBox 62">
+            <a:extLst>
+              <a:ext uri="{FF2B5EF4-FFF2-40B4-BE49-F238E27FC236}">
+                <a16:creationId xmlns:a16="http://schemas.microsoft.com/office/drawing/2014/main" id="{F0CBB045-AC32-1410-AE05-7B0A376180F4}"/>
+              </a:ext>
+            </a:extLst>
+          </p:cNvPr>
+          <p:cNvSpPr txBox="1"/>
+          <p:nvPr/>
+        </p:nvSpPr>
+        <p:spPr>
+          <a:xfrm>
+            <a:off x="8235227" y="4258824"/>
+            <a:ext cx="501888" cy="1323439"/>
+          </a:xfrm>
+          <a:prstGeom prst="rect">
+            <a:avLst/>
+          </a:prstGeom>
+          <a:noFill/>
+        </p:spPr>
+        <p:txBody>
+          <a:bodyPr wrap="square" rtlCol="0">
+            <a:spAutoFit/>
+          </a:bodyPr>
+          <a:lstStyle/>
+          <a:p>
+            <a:r>
+              <a:rPr lang="en-US" sz="1000" dirty="0"/>
+              <a:t>  1.13</a:t>
+            </a:r>
+          </a:p>
+          <a:p>
+            <a:r>
+              <a:rPr lang="en-US" sz="1000" dirty="0"/>
+              <a:t>  3.87</a:t>
+            </a:r>
+          </a:p>
+          <a:p>
+            <a:r>
+              <a:rPr lang="en-US" sz="1000" dirty="0"/>
+              <a:t>-0.58</a:t>
+            </a:r>
+          </a:p>
+          <a:p>
+            <a:r>
+              <a:rPr lang="en-US" sz="1000" dirty="0"/>
+              <a:t>-1.58</a:t>
+            </a:r>
+          </a:p>
+          <a:p>
+            <a:r>
+              <a:rPr lang="en-US" sz="1000" dirty="0"/>
+              <a:t>  4.64</a:t>
+            </a:r>
+          </a:p>
+          <a:p>
+            <a:r>
+              <a:rPr lang="en-US" sz="1000" dirty="0"/>
+              <a:t>  1.42</a:t>
+            </a:r>
+          </a:p>
+          <a:p>
+            <a:r>
+              <a:rPr lang="en-US" sz="1000" dirty="0"/>
+              <a:t>       …</a:t>
+            </a:r>
+          </a:p>
+          <a:p>
+            <a:r>
+              <a:rPr lang="en-US" sz="1000" dirty="0"/>
+              <a:t> -1.47</a:t>
+            </a:r>
+          </a:p>
+        </p:txBody>
+      </p:sp>
+      <p:sp>
+        <p:nvSpPr>
+          <p:cNvPr id="64" name="Left Bracket 63">
+            <a:extLst>
+              <a:ext uri="{FF2B5EF4-FFF2-40B4-BE49-F238E27FC236}">
+                <a16:creationId xmlns:a16="http://schemas.microsoft.com/office/drawing/2014/main" id="{5FECC8E5-8635-0FAE-E4B5-9F2A3ACF05B6}"/>
+              </a:ext>
+            </a:extLst>
+          </p:cNvPr>
+          <p:cNvSpPr/>
+          <p:nvPr/>
+        </p:nvSpPr>
+        <p:spPr>
+          <a:xfrm flipH="1">
+            <a:off x="8607060" y="4231322"/>
+            <a:ext cx="158129" cy="1325194"/>
+          </a:xfrm>
+          <a:prstGeom prst="leftBracket">
+            <a:avLst/>
+          </a:prstGeom>
+        </p:spPr>
+        <p:style>
+          <a:lnRef idx="2">
+            <a:schemeClr val="dk1"/>
+          </a:lnRef>
+          <a:fillRef idx="0">
+            <a:schemeClr val="dk1"/>
+          </a:fillRef>
+          <a:effectRef idx="1">
+            <a:schemeClr val="dk1"/>
+          </a:effectRef>
+          <a:fontRef idx="minor">
+            <a:schemeClr val="tx1"/>
+          </a:fontRef>
+        </p:style>
+        <p:txBody>
+          <a:bodyPr rtlCol="0" anchor="ctr"/>
+          <a:lstStyle/>
+          <a:p>
+            <a:pPr algn="ctr"/>
+            <a:endParaRPr lang="en-US"/>
+          </a:p>
+        </p:txBody>
+      </p:sp>
+      <p:cxnSp>
+        <p:nvCxnSpPr>
+          <p:cNvPr id="65" name="Straight Arrow Connector 64">
+            <a:extLst>
+              <a:ext uri="{FF2B5EF4-FFF2-40B4-BE49-F238E27FC236}">
+                <a16:creationId xmlns:a16="http://schemas.microsoft.com/office/drawing/2014/main" id="{7178AA3A-04DB-A81A-AA26-A57F8C87FBEF}"/>
+              </a:ext>
+            </a:extLst>
+          </p:cNvPr>
+          <p:cNvCxnSpPr/>
+          <p:nvPr/>
+        </p:nvCxnSpPr>
+        <p:spPr>
+          <a:xfrm>
+            <a:off x="8501556" y="3103854"/>
+            <a:ext cx="0" cy="1017465"/>
+          </a:xfrm>
+          <a:prstGeom prst="straightConnector1">
+            <a:avLst/>
+          </a:prstGeom>
+          <a:ln>
+            <a:tailEnd type="triangle"/>
+          </a:ln>
+        </p:spPr>
+        <p:style>
+          <a:lnRef idx="2">
+            <a:schemeClr val="dk1"/>
+          </a:lnRef>
+          <a:fillRef idx="0">
+            <a:schemeClr val="dk1"/>
+          </a:fillRef>
+          <a:effectRef idx="1">
+            <a:schemeClr val="dk1"/>
+          </a:effectRef>
+          <a:fontRef idx="minor">
+            <a:schemeClr val="tx1"/>
+          </a:fontRef>
+        </p:style>
+      </p:cxnSp>
+      <p:sp>
+        <p:nvSpPr>
+          <p:cNvPr id="66" name="Left Bracket 65">
+            <a:extLst>
+              <a:ext uri="{FF2B5EF4-FFF2-40B4-BE49-F238E27FC236}">
+                <a16:creationId xmlns:a16="http://schemas.microsoft.com/office/drawing/2014/main" id="{812F0CFC-09FF-4DC7-25FA-6B2E92D860B7}"/>
+              </a:ext>
+            </a:extLst>
+          </p:cNvPr>
+          <p:cNvSpPr/>
+          <p:nvPr/>
+        </p:nvSpPr>
+        <p:spPr>
+          <a:xfrm>
+            <a:off x="9222072" y="4231322"/>
+            <a:ext cx="158129" cy="1325194"/>
+          </a:xfrm>
+          <a:prstGeom prst="leftBracket">
+            <a:avLst/>
+          </a:prstGeom>
+        </p:spPr>
+        <p:style>
+          <a:lnRef idx="2">
+            <a:schemeClr val="dk1"/>
+          </a:lnRef>
+          <a:fillRef idx="0">
+            <a:schemeClr val="dk1"/>
+          </a:fillRef>
+          <a:effectRef idx="1">
+            <a:schemeClr val="dk1"/>
+          </a:effectRef>
+          <a:fontRef idx="minor">
+            <a:schemeClr val="tx1"/>
+          </a:fontRef>
+        </p:style>
+        <p:txBody>
+          <a:bodyPr rtlCol="0" anchor="ctr"/>
+          <a:lstStyle/>
+          <a:p>
+            <a:pPr algn="ctr"/>
+            <a:endParaRPr lang="en-US"/>
+          </a:p>
+        </p:txBody>
+      </p:sp>
+      <p:sp>
+        <p:nvSpPr>
+          <p:cNvPr id="67" name="TextBox 66">
+            <a:extLst>
+              <a:ext uri="{FF2B5EF4-FFF2-40B4-BE49-F238E27FC236}">
+                <a16:creationId xmlns:a16="http://schemas.microsoft.com/office/drawing/2014/main" id="{FF4A4A88-A3E0-723B-004A-5210A81D9C02}"/>
+              </a:ext>
+            </a:extLst>
+          </p:cNvPr>
+          <p:cNvSpPr txBox="1"/>
+          <p:nvPr/>
+        </p:nvSpPr>
+        <p:spPr>
+          <a:xfrm>
+            <a:off x="9250146" y="4258824"/>
+            <a:ext cx="501888" cy="1323439"/>
+          </a:xfrm>
+          <a:prstGeom prst="rect">
+            <a:avLst/>
+          </a:prstGeom>
+          <a:noFill/>
+        </p:spPr>
+        <p:txBody>
+          <a:bodyPr wrap="square" rtlCol="0">
+            <a:spAutoFit/>
+          </a:bodyPr>
+          <a:lstStyle/>
+          <a:p>
+            <a:r>
+              <a:rPr lang="en-US" sz="1000" dirty="0"/>
+              <a:t>-2.14</a:t>
+            </a:r>
+          </a:p>
+          <a:p>
+            <a:r>
+              <a:rPr lang="en-US" sz="1000" dirty="0"/>
+              <a:t>  9.24</a:t>
+            </a:r>
+          </a:p>
+          <a:p>
+            <a:r>
+              <a:rPr lang="en-US" sz="1000" dirty="0"/>
+              <a:t>  1.57</a:t>
+            </a:r>
+          </a:p>
+          <a:p>
+            <a:r>
+              <a:rPr lang="en-US" sz="1000" dirty="0"/>
+              <a:t>  5.22</a:t>
+            </a:r>
+          </a:p>
+          <a:p>
+            <a:r>
+              <a:rPr lang="en-US" sz="1000" dirty="0"/>
+              <a:t>-1.54</a:t>
+            </a:r>
+          </a:p>
+          <a:p>
+            <a:r>
+              <a:rPr lang="en-US" sz="1000" dirty="0"/>
+              <a:t>  2.31</a:t>
+            </a:r>
+          </a:p>
+          <a:p>
+            <a:r>
+              <a:rPr lang="en-US" sz="1000" dirty="0"/>
+              <a:t>       …</a:t>
+            </a:r>
+          </a:p>
+          <a:p>
+            <a:r>
+              <a:rPr lang="en-US" sz="1000" dirty="0"/>
+              <a:t>  3.16</a:t>
+            </a:r>
+          </a:p>
+        </p:txBody>
+      </p:sp>
+      <p:sp>
+        <p:nvSpPr>
+          <p:cNvPr id="68" name="Left Bracket 67">
+            <a:extLst>
+              <a:ext uri="{FF2B5EF4-FFF2-40B4-BE49-F238E27FC236}">
+                <a16:creationId xmlns:a16="http://schemas.microsoft.com/office/drawing/2014/main" id="{D197E61D-543B-4D4A-24FF-AE1078E03096}"/>
+              </a:ext>
+            </a:extLst>
+          </p:cNvPr>
+          <p:cNvSpPr/>
+          <p:nvPr/>
+        </p:nvSpPr>
+        <p:spPr>
+          <a:xfrm flipH="1">
+            <a:off x="9621979" y="4231322"/>
+            <a:ext cx="158129" cy="1325194"/>
+          </a:xfrm>
+          <a:prstGeom prst="leftBracket">
+            <a:avLst/>
+          </a:prstGeom>
+        </p:spPr>
+        <p:style>
+          <a:lnRef idx="2">
+            <a:schemeClr val="dk1"/>
+          </a:lnRef>
+          <a:fillRef idx="0">
+            <a:schemeClr val="dk1"/>
+          </a:fillRef>
+          <a:effectRef idx="1">
+            <a:schemeClr val="dk1"/>
+          </a:effectRef>
+          <a:fontRef idx="minor">
+            <a:schemeClr val="tx1"/>
+          </a:fontRef>
+        </p:style>
+        <p:txBody>
+          <a:bodyPr rtlCol="0" anchor="ctr"/>
+          <a:lstStyle/>
+          <a:p>
+            <a:pPr algn="ctr"/>
+            <a:endParaRPr lang="en-US"/>
+          </a:p>
+        </p:txBody>
+      </p:sp>
+      <p:cxnSp>
+        <p:nvCxnSpPr>
+          <p:cNvPr id="69" name="Straight Arrow Connector 68">
+            <a:extLst>
+              <a:ext uri="{FF2B5EF4-FFF2-40B4-BE49-F238E27FC236}">
+                <a16:creationId xmlns:a16="http://schemas.microsoft.com/office/drawing/2014/main" id="{7BAB8410-6EB8-9065-EE60-987651620802}"/>
+              </a:ext>
+            </a:extLst>
+          </p:cNvPr>
+          <p:cNvCxnSpPr/>
+          <p:nvPr/>
+        </p:nvCxnSpPr>
+        <p:spPr>
+          <a:xfrm>
+            <a:off x="9516475" y="3103854"/>
+            <a:ext cx="0" cy="1017465"/>
+          </a:xfrm>
+          <a:prstGeom prst="straightConnector1">
+            <a:avLst/>
+          </a:prstGeom>
+          <a:ln>
+            <a:tailEnd type="triangle"/>
+          </a:ln>
+        </p:spPr>
+        <p:style>
+          <a:lnRef idx="2">
+            <a:schemeClr val="dk1"/>
+          </a:lnRef>
+          <a:fillRef idx="0">
+            <a:schemeClr val="dk1"/>
+          </a:fillRef>
+          <a:effectRef idx="1">
+            <a:schemeClr val="dk1"/>
+          </a:effectRef>
+          <a:fontRef idx="minor">
+            <a:schemeClr val="tx1"/>
+          </a:fontRef>
+        </p:style>
+      </p:cxnSp>
+      <p:sp>
+        <p:nvSpPr>
+          <p:cNvPr id="70" name="Left Bracket 69">
+            <a:extLst>
+              <a:ext uri="{FF2B5EF4-FFF2-40B4-BE49-F238E27FC236}">
+                <a16:creationId xmlns:a16="http://schemas.microsoft.com/office/drawing/2014/main" id="{553EA597-BF7C-C36E-24E1-722795F98A9C}"/>
+              </a:ext>
+            </a:extLst>
+          </p:cNvPr>
+          <p:cNvSpPr/>
+          <p:nvPr/>
+        </p:nvSpPr>
+        <p:spPr>
+          <a:xfrm>
+            <a:off x="10311570" y="4231322"/>
+            <a:ext cx="158129" cy="1325194"/>
+          </a:xfrm>
+          <a:prstGeom prst="leftBracket">
+            <a:avLst/>
+          </a:prstGeom>
+        </p:spPr>
+        <p:style>
+          <a:lnRef idx="2">
+            <a:schemeClr val="dk1"/>
+          </a:lnRef>
+          <a:fillRef idx="0">
+            <a:schemeClr val="dk1"/>
+          </a:fillRef>
+          <a:effectRef idx="1">
+            <a:schemeClr val="dk1"/>
+          </a:effectRef>
+          <a:fontRef idx="minor">
+            <a:schemeClr val="tx1"/>
+          </a:fontRef>
+        </p:style>
+        <p:txBody>
+          <a:bodyPr rtlCol="0" anchor="ctr"/>
+          <a:lstStyle/>
+          <a:p>
+            <a:pPr algn="ctr"/>
+            <a:endParaRPr lang="en-US"/>
+          </a:p>
+        </p:txBody>
+      </p:sp>
+      <p:sp>
+        <p:nvSpPr>
+          <p:cNvPr id="71" name="TextBox 70">
+            <a:extLst>
+              <a:ext uri="{FF2B5EF4-FFF2-40B4-BE49-F238E27FC236}">
+                <a16:creationId xmlns:a16="http://schemas.microsoft.com/office/drawing/2014/main" id="{D8786420-AF4B-ED91-8C3B-AC8FBEBE176F}"/>
+              </a:ext>
+            </a:extLst>
+          </p:cNvPr>
+          <p:cNvSpPr txBox="1"/>
+          <p:nvPr/>
+        </p:nvSpPr>
+        <p:spPr>
+          <a:xfrm>
+            <a:off x="10339644" y="4258824"/>
+            <a:ext cx="501888" cy="1323439"/>
+          </a:xfrm>
+          <a:prstGeom prst="rect">
+            <a:avLst/>
+          </a:prstGeom>
+          <a:noFill/>
+        </p:spPr>
+        <p:txBody>
+          <a:bodyPr wrap="square" rtlCol="0">
+            <a:spAutoFit/>
+          </a:bodyPr>
+          <a:lstStyle/>
+          <a:p>
+            <a:r>
+              <a:rPr lang="en-US" sz="1000" dirty="0"/>
+              <a:t>-5.14</a:t>
+            </a:r>
+          </a:p>
+          <a:p>
+            <a:r>
+              <a:rPr lang="en-US" sz="1000" dirty="0"/>
+              <a:t>-2.32</a:t>
+            </a:r>
+          </a:p>
+          <a:p>
+            <a:r>
+              <a:rPr lang="en-US" sz="1000" dirty="0"/>
+              <a:t>-2.14</a:t>
+            </a:r>
+          </a:p>
+          <a:p>
+            <a:r>
+              <a:rPr lang="en-US" sz="1000" dirty="0"/>
+              <a:t>-1.24</a:t>
+            </a:r>
+          </a:p>
+          <a:p>
+            <a:r>
+              <a:rPr lang="en-US" sz="1000" dirty="0"/>
+              <a:t>  3.33</a:t>
+            </a:r>
+          </a:p>
+          <a:p>
+            <a:r>
+              <a:rPr lang="en-US" sz="1000" dirty="0"/>
+              <a:t>  1.41</a:t>
+            </a:r>
+          </a:p>
+          <a:p>
+            <a:r>
+              <a:rPr lang="en-US" sz="1000" dirty="0"/>
+              <a:t>       …</a:t>
+            </a:r>
+          </a:p>
+          <a:p>
+            <a:r>
+              <a:rPr lang="en-US" sz="1000" dirty="0"/>
+              <a:t>  2.74</a:t>
+            </a:r>
+          </a:p>
+        </p:txBody>
+      </p:sp>
+      <p:sp>
+        <p:nvSpPr>
+          <p:cNvPr id="72" name="Left Bracket 71">
+            <a:extLst>
+              <a:ext uri="{FF2B5EF4-FFF2-40B4-BE49-F238E27FC236}">
+                <a16:creationId xmlns:a16="http://schemas.microsoft.com/office/drawing/2014/main" id="{C67A3933-91DF-0466-C0AD-4218970F56F5}"/>
+              </a:ext>
+            </a:extLst>
+          </p:cNvPr>
+          <p:cNvSpPr/>
+          <p:nvPr/>
+        </p:nvSpPr>
+        <p:spPr>
+          <a:xfrm flipH="1">
+            <a:off x="10711477" y="4231322"/>
+            <a:ext cx="158129" cy="1325194"/>
+          </a:xfrm>
+          <a:prstGeom prst="leftBracket">
+            <a:avLst/>
+          </a:prstGeom>
+        </p:spPr>
+        <p:style>
+          <a:lnRef idx="2">
+            <a:schemeClr val="dk1"/>
+          </a:lnRef>
+          <a:fillRef idx="0">
+            <a:schemeClr val="dk1"/>
+          </a:fillRef>
+          <a:effectRef idx="1">
+            <a:schemeClr val="dk1"/>
+          </a:effectRef>
+          <a:fontRef idx="minor">
+            <a:schemeClr val="tx1"/>
+          </a:fontRef>
+        </p:style>
+        <p:txBody>
+          <a:bodyPr rtlCol="0" anchor="ctr"/>
+          <a:lstStyle/>
+          <a:p>
+            <a:pPr algn="ctr"/>
+            <a:endParaRPr lang="en-US"/>
+          </a:p>
+        </p:txBody>
+      </p:sp>
+      <p:cxnSp>
+        <p:nvCxnSpPr>
+          <p:cNvPr id="73" name="Straight Arrow Connector 72">
+            <a:extLst>
+              <a:ext uri="{FF2B5EF4-FFF2-40B4-BE49-F238E27FC236}">
+                <a16:creationId xmlns:a16="http://schemas.microsoft.com/office/drawing/2014/main" id="{F32FCC10-C64A-D98C-2B1D-EC0CC61B7104}"/>
+              </a:ext>
+            </a:extLst>
+          </p:cNvPr>
+          <p:cNvCxnSpPr/>
+          <p:nvPr/>
+        </p:nvCxnSpPr>
+        <p:spPr>
+          <a:xfrm>
+            <a:off x="10605973" y="3103854"/>
+            <a:ext cx="0" cy="1017465"/>
+          </a:xfrm>
+          <a:prstGeom prst="straightConnector1">
+            <a:avLst/>
+          </a:prstGeom>
+          <a:ln>
+            <a:tailEnd type="triangle"/>
+          </a:ln>
+        </p:spPr>
+        <p:style>
+          <a:lnRef idx="2">
+            <a:schemeClr val="dk1"/>
+          </a:lnRef>
+          <a:fillRef idx="0">
+            <a:schemeClr val="dk1"/>
+          </a:fillRef>
+          <a:effectRef idx="1">
+            <a:schemeClr val="dk1"/>
+          </a:effectRef>
+          <a:fontRef idx="minor">
+            <a:schemeClr val="tx1"/>
+          </a:fontRef>
+        </p:style>
+      </p:cxnSp>
+    </p:spTree>
+    <p:extLst>
+      <p:ext uri="{BB962C8B-B14F-4D97-AF65-F5344CB8AC3E}">
+        <p14:creationId xmlns:p14="http://schemas.microsoft.com/office/powerpoint/2010/main" val="2842200418"/>
+      </p:ext>
+    </p:extLst>
+  </p:cSld>
+  <p:clrMapOvr>
+    <a:masterClrMapping/>
+  </p:clrMapOvr>
+</p:sld>
+</file>
+
+<file path=ppt/slides/slide3.xml><?xml version="1.0" encoding="utf-8"?>
 <p:sld xmlns:a="http://schemas.openxmlformats.org/drawingml/2006/main" xmlns:r="http://schemas.openxmlformats.org/officeDocument/2006/relationships" xmlns:p="http://schemas.openxmlformats.org/presentationml/2006/main">
   <p:cSld>
     <p:spTree>
@@ -6360,7 +7226,7 @@
 </p:sld>
 </file>
 
-<file path=ppt/slides/slide3.xml><?xml version="1.0" encoding="utf-8"?>
+<file path=ppt/slides/slide4.xml><?xml version="1.0" encoding="utf-8"?>
 <p:sld xmlns:a="http://schemas.openxmlformats.org/drawingml/2006/main" xmlns:r="http://schemas.openxmlformats.org/officeDocument/2006/relationships" xmlns:p="http://schemas.openxmlformats.org/presentationml/2006/main">
   <p:cSld>
     <p:spTree>
@@ -9364,7 +10230,7 @@
 </p:sld>
 </file>
 
-<file path=ppt/slides/slide4.xml><?xml version="1.0" encoding="utf-8"?>
+<file path=ppt/slides/slide5.xml><?xml version="1.0" encoding="utf-8"?>
 <p:sld xmlns:a="http://schemas.openxmlformats.org/drawingml/2006/main" xmlns:r="http://schemas.openxmlformats.org/officeDocument/2006/relationships" xmlns:p="http://schemas.openxmlformats.org/presentationml/2006/main">
   <p:cSld>
     <p:spTree>
